--- a/프로토타입_최신호_이동준.pptx
+++ b/프로토타입_최신호_이동준.pptx
@@ -5,7 +5,7 @@
     <p:sldMasterId id="2147483660" r:id="rId1"/>
   </p:sldMasterIdLst>
   <p:notesMasterIdLst>
-    <p:notesMasterId r:id="rId13"/>
+    <p:notesMasterId r:id="rId15"/>
   </p:notesMasterIdLst>
   <p:sldIdLst>
     <p:sldId id="256" r:id="rId2"/>
@@ -19,6 +19,8 @@
     <p:sldId id="266" r:id="rId10"/>
     <p:sldId id="267" r:id="rId11"/>
     <p:sldId id="268" r:id="rId12"/>
+    <p:sldId id="269" r:id="rId13"/>
+    <p:sldId id="270" r:id="rId14"/>
   </p:sldIdLst>
   <p:sldSz cx="9144000" cy="6858000" type="screen4x3"/>
   <p:notesSz cx="6858000" cy="9144000"/>
@@ -495,7 +497,7 @@
           <a:p>
             <a:fld id="{E7F6F9A2-9DD7-4BFD-8560-ED9D186197C6}" type="datetimeFigureOut">
               <a:rPr lang="ko-KR" altLang="en-US" smtClean="0"/>
-              <a:t>2023-04-18</a:t>
+              <a:t>2023-05-03</a:t>
             </a:fld>
             <a:endParaRPr lang="ko-KR" altLang="en-US"/>
           </a:p>
@@ -4776,6 +4778,330 @@
 </p:sld>
 </file>
 
+<file path=ppt/slides/slide12.xml><?xml version="1.0" encoding="utf-8"?>
+<p:sld xmlns:a="http://schemas.openxmlformats.org/drawingml/2006/main" xmlns:r="http://schemas.openxmlformats.org/officeDocument/2006/relationships" xmlns:p="http://schemas.openxmlformats.org/presentationml/2006/main">
+  <p:cSld>
+    <p:spTree>
+      <p:nvGrpSpPr>
+        <p:cNvPr id="1" name=""/>
+        <p:cNvGrpSpPr/>
+        <p:nvPr/>
+      </p:nvGrpSpPr>
+      <p:grpSpPr>
+        <a:xfrm>
+          <a:off x="0" y="0"/>
+          <a:ext cx="0" cy="0"/>
+          <a:chOff x="0" y="0"/>
+          <a:chExt cx="0" cy="0"/>
+        </a:xfrm>
+      </p:grpSpPr>
+      <p:sp>
+        <p:nvSpPr>
+          <p:cNvPr id="2" name="제목 1">
+            <a:extLst>
+              <a:ext uri="{FF2B5EF4-FFF2-40B4-BE49-F238E27FC236}">
+                <a16:creationId xmlns:a16="http://schemas.microsoft.com/office/drawing/2014/main" id="{74796B21-BAB4-5CFF-2FC5-63E0F1624D60}"/>
+              </a:ext>
+            </a:extLst>
+          </p:cNvPr>
+          <p:cNvSpPr>
+            <a:spLocks noGrp="1"/>
+          </p:cNvSpPr>
+          <p:nvPr>
+            <p:ph type="title"/>
+          </p:nvPr>
+        </p:nvSpPr>
+        <p:spPr/>
+        <p:txBody>
+          <a:bodyPr/>
+          <a:lstStyle/>
+          <a:p>
+            <a:r>
+              <a:rPr lang="en-US" altLang="ko-KR" dirty="0"/>
+              <a:t>12. </a:t>
+            </a:r>
+            <a:r>
+              <a:rPr lang="ko-KR" altLang="en-US" dirty="0" err="1"/>
+              <a:t>조이패드</a:t>
+            </a:r>
+            <a:r>
+              <a:rPr lang="ko-KR" altLang="en-US" dirty="0"/>
+              <a:t> 예제</a:t>
+            </a:r>
+            <a:r>
+              <a:rPr lang="en-US" altLang="ko-KR" dirty="0"/>
+              <a:t>(1)</a:t>
+            </a:r>
+            <a:endParaRPr lang="ko-KR" altLang="en-US" dirty="0"/>
+          </a:p>
+        </p:txBody>
+      </p:sp>
+      <p:sp>
+        <p:nvSpPr>
+          <p:cNvPr id="4" name="슬라이드 번호 개체 틀 3">
+            <a:extLst>
+              <a:ext uri="{FF2B5EF4-FFF2-40B4-BE49-F238E27FC236}">
+                <a16:creationId xmlns:a16="http://schemas.microsoft.com/office/drawing/2014/main" id="{4B819B50-84A2-2443-07AE-9CB954E0A075}"/>
+              </a:ext>
+            </a:extLst>
+          </p:cNvPr>
+          <p:cNvSpPr>
+            <a:spLocks noGrp="1"/>
+          </p:cNvSpPr>
+          <p:nvPr>
+            <p:ph type="sldNum" sz="quarter" idx="12"/>
+          </p:nvPr>
+        </p:nvSpPr>
+        <p:spPr/>
+        <p:txBody>
+          <a:bodyPr/>
+          <a:lstStyle/>
+          <a:p>
+            <a:fld id="{2F00E46C-ED49-42AD-BB6D-7499E1F08A71}" type="slidenum">
+              <a:rPr lang="ko-KR" altLang="en-US" smtClean="0"/>
+              <a:t>12</a:t>
+            </a:fld>
+            <a:endParaRPr lang="ko-KR" altLang="en-US"/>
+          </a:p>
+        </p:txBody>
+      </p:sp>
+      <p:sp>
+        <p:nvSpPr>
+          <p:cNvPr id="5" name="직사각형 4">
+            <a:extLst>
+              <a:ext uri="{FF2B5EF4-FFF2-40B4-BE49-F238E27FC236}">
+                <a16:creationId xmlns:a16="http://schemas.microsoft.com/office/drawing/2014/main" id="{A15F17F8-326A-89CF-0BFE-7FA5814A1871}"/>
+              </a:ext>
+            </a:extLst>
+          </p:cNvPr>
+          <p:cNvSpPr/>
+          <p:nvPr/>
+        </p:nvSpPr>
+        <p:spPr>
+          <a:xfrm>
+            <a:off x="3141524" y="977152"/>
+            <a:ext cx="2873794" cy="5880847"/>
+          </a:xfrm>
+          <a:prstGeom prst="rect">
+            <a:avLst/>
+          </a:prstGeom>
+          <a:blipFill>
+            <a:blip r:embed="rId2"/>
+            <a:stretch>
+              <a:fillRect/>
+            </a:stretch>
+          </a:blipFill>
+          <a:ln>
+            <a:noFill/>
+          </a:ln>
+          <a:effectLst>
+            <a:outerShdw blurRad="63500" sx="102000" sy="102000" algn="ctr" rotWithShape="0">
+              <a:prstClr val="black">
+                <a:alpha val="40000"/>
+              </a:prstClr>
+            </a:outerShdw>
+          </a:effectLst>
+        </p:spPr>
+        <p:style>
+          <a:lnRef idx="2">
+            <a:schemeClr val="accent1">
+              <a:shade val="50000"/>
+            </a:schemeClr>
+          </a:lnRef>
+          <a:fillRef idx="1">
+            <a:schemeClr val="accent1"/>
+          </a:fillRef>
+          <a:effectRef idx="0">
+            <a:schemeClr val="accent1"/>
+          </a:effectRef>
+          <a:fontRef idx="minor">
+            <a:schemeClr val="lt1"/>
+          </a:fontRef>
+        </p:style>
+        <p:txBody>
+          <a:bodyPr rtlCol="0" anchor="ctr"/>
+          <a:lstStyle/>
+          <a:p>
+            <a:pPr algn="ctr"/>
+            <a:endParaRPr lang="ko-KR" altLang="en-US"/>
+          </a:p>
+        </p:txBody>
+      </p:sp>
+    </p:spTree>
+    <p:extLst>
+      <p:ext uri="{BB962C8B-B14F-4D97-AF65-F5344CB8AC3E}">
+        <p14:creationId xmlns:p14="http://schemas.microsoft.com/office/powerpoint/2010/main" val="2905068071"/>
+      </p:ext>
+    </p:extLst>
+  </p:cSld>
+  <p:clrMapOvr>
+    <a:masterClrMapping/>
+  </p:clrMapOvr>
+</p:sld>
+</file>
+
+<file path=ppt/slides/slide13.xml><?xml version="1.0" encoding="utf-8"?>
+<p:sld xmlns:a="http://schemas.openxmlformats.org/drawingml/2006/main" xmlns:r="http://schemas.openxmlformats.org/officeDocument/2006/relationships" xmlns:p="http://schemas.openxmlformats.org/presentationml/2006/main">
+  <p:cSld>
+    <p:spTree>
+      <p:nvGrpSpPr>
+        <p:cNvPr id="1" name=""/>
+        <p:cNvGrpSpPr/>
+        <p:nvPr/>
+      </p:nvGrpSpPr>
+      <p:grpSpPr>
+        <a:xfrm>
+          <a:off x="0" y="0"/>
+          <a:ext cx="0" cy="0"/>
+          <a:chOff x="0" y="0"/>
+          <a:chExt cx="0" cy="0"/>
+        </a:xfrm>
+      </p:grpSpPr>
+      <p:sp>
+        <p:nvSpPr>
+          <p:cNvPr id="2" name="제목 1">
+            <a:extLst>
+              <a:ext uri="{FF2B5EF4-FFF2-40B4-BE49-F238E27FC236}">
+                <a16:creationId xmlns:a16="http://schemas.microsoft.com/office/drawing/2014/main" id="{2356A8D1-F8F1-4FA8-9C4A-248C5E250F72}"/>
+              </a:ext>
+            </a:extLst>
+          </p:cNvPr>
+          <p:cNvSpPr>
+            <a:spLocks noGrp="1"/>
+          </p:cNvSpPr>
+          <p:nvPr>
+            <p:ph type="title"/>
+          </p:nvPr>
+        </p:nvSpPr>
+        <p:spPr/>
+        <p:txBody>
+          <a:bodyPr/>
+          <a:lstStyle/>
+          <a:p>
+            <a:r>
+              <a:rPr lang="en-US" altLang="ko-KR" dirty="0"/>
+              <a:t>12. </a:t>
+            </a:r>
+            <a:r>
+              <a:rPr lang="ko-KR" altLang="en-US" dirty="0" err="1"/>
+              <a:t>조이패드</a:t>
+            </a:r>
+            <a:r>
+              <a:rPr lang="ko-KR" altLang="en-US" dirty="0"/>
+              <a:t> 예제</a:t>
+            </a:r>
+            <a:r>
+              <a:rPr lang="en-US" altLang="ko-KR" dirty="0"/>
+              <a:t>(2)</a:t>
+            </a:r>
+            <a:endParaRPr lang="ko-KR" altLang="en-US" dirty="0"/>
+          </a:p>
+        </p:txBody>
+      </p:sp>
+      <p:sp>
+        <p:nvSpPr>
+          <p:cNvPr id="4" name="슬라이드 번호 개체 틀 3">
+            <a:extLst>
+              <a:ext uri="{FF2B5EF4-FFF2-40B4-BE49-F238E27FC236}">
+                <a16:creationId xmlns:a16="http://schemas.microsoft.com/office/drawing/2014/main" id="{44D11353-19BC-1C73-B83E-B3CBA218BEDA}"/>
+              </a:ext>
+            </a:extLst>
+          </p:cNvPr>
+          <p:cNvSpPr>
+            <a:spLocks noGrp="1"/>
+          </p:cNvSpPr>
+          <p:nvPr>
+            <p:ph type="sldNum" sz="quarter" idx="12"/>
+          </p:nvPr>
+        </p:nvSpPr>
+        <p:spPr/>
+        <p:txBody>
+          <a:bodyPr/>
+          <a:lstStyle/>
+          <a:p>
+            <a:fld id="{2F00E46C-ED49-42AD-BB6D-7499E1F08A71}" type="slidenum">
+              <a:rPr lang="ko-KR" altLang="en-US" smtClean="0"/>
+              <a:t>13</a:t>
+            </a:fld>
+            <a:endParaRPr lang="ko-KR" altLang="en-US"/>
+          </a:p>
+        </p:txBody>
+      </p:sp>
+      <p:sp>
+        <p:nvSpPr>
+          <p:cNvPr id="5" name="직사각형 4">
+            <a:extLst>
+              <a:ext uri="{FF2B5EF4-FFF2-40B4-BE49-F238E27FC236}">
+                <a16:creationId xmlns:a16="http://schemas.microsoft.com/office/drawing/2014/main" id="{BB11CF1D-FCA5-BCCA-306F-2938D320E155}"/>
+              </a:ext>
+            </a:extLst>
+          </p:cNvPr>
+          <p:cNvSpPr/>
+          <p:nvPr/>
+        </p:nvSpPr>
+        <p:spPr>
+          <a:xfrm>
+            <a:off x="3141524" y="977152"/>
+            <a:ext cx="2873794" cy="5880847"/>
+          </a:xfrm>
+          <a:prstGeom prst="rect">
+            <a:avLst/>
+          </a:prstGeom>
+          <a:blipFill>
+            <a:blip r:embed="rId2"/>
+            <a:stretch>
+              <a:fillRect/>
+            </a:stretch>
+          </a:blipFill>
+          <a:ln>
+            <a:noFill/>
+          </a:ln>
+          <a:effectLst>
+            <a:outerShdw blurRad="63500" sx="102000" sy="102000" algn="ctr" rotWithShape="0">
+              <a:prstClr val="black">
+                <a:alpha val="40000"/>
+              </a:prstClr>
+            </a:outerShdw>
+          </a:effectLst>
+        </p:spPr>
+        <p:style>
+          <a:lnRef idx="2">
+            <a:schemeClr val="accent1">
+              <a:shade val="50000"/>
+            </a:schemeClr>
+          </a:lnRef>
+          <a:fillRef idx="1">
+            <a:schemeClr val="accent1"/>
+          </a:fillRef>
+          <a:effectRef idx="0">
+            <a:schemeClr val="accent1"/>
+          </a:effectRef>
+          <a:fontRef idx="minor">
+            <a:schemeClr val="lt1"/>
+          </a:fontRef>
+        </p:style>
+        <p:txBody>
+          <a:bodyPr rtlCol="0" anchor="ctr"/>
+          <a:lstStyle/>
+          <a:p>
+            <a:pPr algn="ctr"/>
+            <a:endParaRPr lang="ko-KR" altLang="en-US"/>
+          </a:p>
+        </p:txBody>
+      </p:sp>
+    </p:spTree>
+    <p:extLst>
+      <p:ext uri="{BB962C8B-B14F-4D97-AF65-F5344CB8AC3E}">
+        <p14:creationId xmlns:p14="http://schemas.microsoft.com/office/powerpoint/2010/main" val="1935762384"/>
+      </p:ext>
+    </p:extLst>
+  </p:cSld>
+  <p:clrMapOvr>
+    <a:masterClrMapping/>
+  </p:clrMapOvr>
+</p:sld>
+</file>
+
 <file path=ppt/slides/slide2.xml><?xml version="1.0" encoding="utf-8"?>
 <p:sld xmlns:a="http://schemas.openxmlformats.org/drawingml/2006/main" xmlns:r="http://schemas.openxmlformats.org/officeDocument/2006/relationships" xmlns:p="http://schemas.openxmlformats.org/presentationml/2006/main">
   <p:cSld>
@@ -6387,7 +6713,50 @@
       </a:bgFillStyleLst>
     </a:fmtScheme>
   </a:themeElements>
-  <a:objectDefaults/>
+  <a:objectDefaults>
+    <a:spDef>
+      <a:spPr>
+        <a:blipFill>
+          <a:blip xmlns:r="http://schemas.openxmlformats.org/officeDocument/2006/relationships" r:embed="rId1"/>
+          <a:stretch>
+            <a:fillRect/>
+          </a:stretch>
+        </a:blipFill>
+        <a:ln>
+          <a:noFill/>
+        </a:ln>
+        <a:effectLst>
+          <a:outerShdw blurRad="63500" sx="102000" sy="102000" algn="ctr" rotWithShape="0">
+            <a:prstClr val="black">
+              <a:alpha val="40000"/>
+            </a:prstClr>
+          </a:outerShdw>
+        </a:effectLst>
+      </a:spPr>
+      <a:bodyPr rtlCol="0" anchor="ctr"/>
+      <a:lstStyle>
+        <a:defPPr algn="ctr">
+          <a:defRPr/>
+        </a:defPPr>
+      </a:lstStyle>
+      <a:style>
+        <a:lnRef idx="2">
+          <a:schemeClr val="accent1">
+            <a:shade val="50000"/>
+          </a:schemeClr>
+        </a:lnRef>
+        <a:fillRef idx="1">
+          <a:schemeClr val="accent1"/>
+        </a:fillRef>
+        <a:effectRef idx="0">
+          <a:schemeClr val="accent1"/>
+        </a:effectRef>
+        <a:fontRef idx="minor">
+          <a:schemeClr val="lt1"/>
+        </a:fontRef>
+      </a:style>
+    </a:spDef>
+  </a:objectDefaults>
   <a:extraClrSchemeLst/>
   <a:extLst>
     <a:ext uri="{05A4C25C-085E-4340-85A3-A5531E510DB2}">

--- a/프로토타입_최신호_이동준.pptx
+++ b/프로토타입_최신호_이동준.pptx
@@ -5,22 +5,16 @@
     <p:sldMasterId id="2147483660" r:id="rId1"/>
   </p:sldMasterIdLst>
   <p:notesMasterIdLst>
-    <p:notesMasterId r:id="rId15"/>
+    <p:notesMasterId r:id="rId9"/>
   </p:notesMasterIdLst>
   <p:sldIdLst>
     <p:sldId id="256" r:id="rId2"/>
     <p:sldId id="257" r:id="rId3"/>
-    <p:sldId id="258" r:id="rId4"/>
-    <p:sldId id="259" r:id="rId5"/>
-    <p:sldId id="260" r:id="rId6"/>
-    <p:sldId id="261" r:id="rId7"/>
-    <p:sldId id="263" r:id="rId8"/>
-    <p:sldId id="264" r:id="rId9"/>
-    <p:sldId id="266" r:id="rId10"/>
-    <p:sldId id="267" r:id="rId11"/>
-    <p:sldId id="268" r:id="rId12"/>
-    <p:sldId id="269" r:id="rId13"/>
-    <p:sldId id="270" r:id="rId14"/>
+    <p:sldId id="261" r:id="rId4"/>
+    <p:sldId id="267" r:id="rId5"/>
+    <p:sldId id="268" r:id="rId6"/>
+    <p:sldId id="269" r:id="rId7"/>
+    <p:sldId id="270" r:id="rId8"/>
   </p:sldIdLst>
   <p:sldSz cx="9144000" cy="6858000" type="screen4x3"/>
   <p:notesSz cx="6858000" cy="9144000"/>
@@ -497,7 +491,7 @@
           <a:p>
             <a:fld id="{E7F6F9A2-9DD7-4BFD-8560-ED9D186197C6}" type="datetimeFigureOut">
               <a:rPr lang="ko-KR" altLang="en-US" smtClean="0"/>
-              <a:t>2023-05-03</a:t>
+              <a:t>2023-05-08</a:t>
             </a:fld>
             <a:endParaRPr lang="ko-KR" altLang="en-US"/>
           </a:p>
@@ -4197,7 +4191,40 @@
                 <a:latin typeface="+mn-ea"/>
                 <a:ea typeface="+mn-ea"/>
               </a:rPr>
-              <a:t> 프로토타입</a:t>
+              <a:t> </a:t>
+            </a:r>
+            <a:r>
+              <a:rPr lang="ko-KR" altLang="en-US" dirty="0" err="1">
+                <a:ln w="12700">
+                  <a:solidFill>
+                    <a:schemeClr val="tx1">
+                      <a:lumMod val="85000"/>
+                      <a:lumOff val="15000"/>
+                    </a:schemeClr>
+                  </a:solidFill>
+                </a:ln>
+                <a:solidFill>
+                  <a:srgbClr val="FF0000"/>
+                </a:solidFill>
+                <a:latin typeface="+mn-ea"/>
+                <a:ea typeface="+mn-ea"/>
+              </a:rPr>
+              <a:t>주차별</a:t>
+            </a:r>
+            <a:r>
+              <a:rPr lang="ko-KR" altLang="en-US" dirty="0">
+                <a:ln w="12700">
+                  <a:solidFill>
+                    <a:schemeClr val="tx1">
+                      <a:lumMod val="85000"/>
+                      <a:lumOff val="15000"/>
+                    </a:schemeClr>
+                  </a:solidFill>
+                </a:ln>
+                <a:latin typeface="+mn-ea"/>
+                <a:ea typeface="+mn-ea"/>
+              </a:rPr>
+              <a:t> 보고</a:t>
             </a:r>
             <a:br>
               <a:rPr lang="en-US" altLang="ko-KR" dirty="0">
@@ -4389,7 +4416,7 @@
 </p:sld>
 </file>
 
-<file path=ppt/slides/slide10.xml><?xml version="1.0" encoding="utf-8"?>
+<file path=ppt/slides/slide2.xml><?xml version="1.0" encoding="utf-8"?>
 <p:sld xmlns:a="http://schemas.openxmlformats.org/drawingml/2006/main" xmlns:r="http://schemas.openxmlformats.org/officeDocument/2006/relationships" xmlns:p="http://schemas.openxmlformats.org/presentationml/2006/main">
   <p:cSld>
     <p:spTree>
@@ -4429,11 +4456,27 @@
           <a:p>
             <a:r>
               <a:rPr lang="en-US" altLang="ko-KR" dirty="0"/>
-              <a:t>10. </a:t>
+              <a:t>1</a:t>
             </a:r>
             <a:r>
               <a:rPr lang="ko-KR" altLang="en-US" dirty="0"/>
-              <a:t>파일을 찾는 두가지 방법</a:t>
+              <a:t>주차</a:t>
+            </a:r>
+            <a:r>
+              <a:rPr lang="en-US" altLang="ko-KR" dirty="0"/>
+              <a:t>~8</a:t>
+            </a:r>
+            <a:r>
+              <a:rPr lang="ko-KR" altLang="en-US" dirty="0"/>
+              <a:t>주차</a:t>
+            </a:r>
+            <a:r>
+              <a:rPr lang="en-US" altLang="ko-KR" dirty="0"/>
+              <a:t> : </a:t>
+            </a:r>
+            <a:r>
+              <a:rPr lang="ko-KR" altLang="en-US" dirty="0"/>
+              <a:t>중간보고서 당시 </a:t>
             </a:r>
           </a:p>
         </p:txBody>
@@ -4461,7 +4504,894 @@
           <a:p>
             <a:fld id="{2F00E46C-ED49-42AD-BB6D-7499E1F08A71}" type="slidenum">
               <a:rPr lang="ko-KR" altLang="en-US" smtClean="0"/>
-              <a:t>10</a:t>
+              <a:t>2</a:t>
+            </a:fld>
+            <a:endParaRPr lang="ko-KR" altLang="en-US"/>
+          </a:p>
+        </p:txBody>
+      </p:sp>
+      <p:grpSp>
+        <p:nvGrpSpPr>
+          <p:cNvPr id="13" name="그룹 12">
+            <a:extLst>
+              <a:ext uri="{FF2B5EF4-FFF2-40B4-BE49-F238E27FC236}">
+                <a16:creationId xmlns:a16="http://schemas.microsoft.com/office/drawing/2014/main" id="{7347B1E7-B83F-6BCD-59A9-7192BC0BF738}"/>
+              </a:ext>
+            </a:extLst>
+          </p:cNvPr>
+          <p:cNvGrpSpPr/>
+          <p:nvPr/>
+        </p:nvGrpSpPr>
+        <p:grpSpPr>
+          <a:xfrm>
+            <a:off x="1134815" y="1483460"/>
+            <a:ext cx="6874369" cy="4495522"/>
+            <a:chOff x="1134815" y="1271449"/>
+            <a:chExt cx="6874369" cy="4495522"/>
+          </a:xfrm>
+        </p:grpSpPr>
+        <p:grpSp>
+          <p:nvGrpSpPr>
+            <p:cNvPr id="11" name="그룹 10">
+              <a:extLst>
+                <a:ext uri="{FF2B5EF4-FFF2-40B4-BE49-F238E27FC236}">
+                  <a16:creationId xmlns:a16="http://schemas.microsoft.com/office/drawing/2014/main" id="{710F8A15-3901-DA80-CC0E-25620BFBB2B0}"/>
+                </a:ext>
+              </a:extLst>
+            </p:cNvPr>
+            <p:cNvGrpSpPr/>
+            <p:nvPr/>
+          </p:nvGrpSpPr>
+          <p:grpSpPr>
+            <a:xfrm>
+              <a:off x="1134815" y="1271449"/>
+              <a:ext cx="6874369" cy="3238549"/>
+              <a:chOff x="439947" y="1108889"/>
+              <a:chExt cx="6874369" cy="3238549"/>
+            </a:xfrm>
+          </p:grpSpPr>
+          <p:sp>
+            <p:nvSpPr>
+              <p:cNvPr id="10" name="직사각형 9">
+                <a:extLst>
+                  <a:ext uri="{FF2B5EF4-FFF2-40B4-BE49-F238E27FC236}">
+                    <a16:creationId xmlns:a16="http://schemas.microsoft.com/office/drawing/2014/main" id="{0F65E4F2-EA6F-4607-E4D4-561BF2BE023B}"/>
+                  </a:ext>
+                </a:extLst>
+              </p:cNvPr>
+              <p:cNvSpPr/>
+              <p:nvPr/>
+            </p:nvSpPr>
+            <p:spPr>
+              <a:xfrm>
+                <a:off x="439947" y="1108889"/>
+                <a:ext cx="1582582" cy="3238548"/>
+              </a:xfrm>
+              <a:prstGeom prst="rect">
+                <a:avLst/>
+              </a:prstGeom>
+              <a:blipFill>
+                <a:blip r:embed="rId2"/>
+                <a:stretch>
+                  <a:fillRect/>
+                </a:stretch>
+              </a:blipFill>
+              <a:ln>
+                <a:noFill/>
+              </a:ln>
+              <a:effectLst>
+                <a:outerShdw blurRad="63500" sx="102000" sy="102000" algn="ctr" rotWithShape="0">
+                  <a:prstClr val="black">
+                    <a:alpha val="40000"/>
+                  </a:prstClr>
+                </a:outerShdw>
+              </a:effectLst>
+            </p:spPr>
+            <p:style>
+              <a:lnRef idx="2">
+                <a:schemeClr val="accent1">
+                  <a:shade val="50000"/>
+                </a:schemeClr>
+              </a:lnRef>
+              <a:fillRef idx="1">
+                <a:schemeClr val="accent1"/>
+              </a:fillRef>
+              <a:effectRef idx="0">
+                <a:schemeClr val="accent1"/>
+              </a:effectRef>
+              <a:fontRef idx="minor">
+                <a:schemeClr val="lt1"/>
+              </a:fontRef>
+            </p:style>
+            <p:txBody>
+              <a:bodyPr rtlCol="0" anchor="ctr"/>
+              <a:lstStyle/>
+              <a:p>
+                <a:pPr algn="ctr"/>
+                <a:endParaRPr lang="ko-KR" altLang="en-US"/>
+              </a:p>
+            </p:txBody>
+          </p:sp>
+          <p:sp>
+            <p:nvSpPr>
+              <p:cNvPr id="3" name="직사각형 2">
+                <a:extLst>
+                  <a:ext uri="{FF2B5EF4-FFF2-40B4-BE49-F238E27FC236}">
+                    <a16:creationId xmlns:a16="http://schemas.microsoft.com/office/drawing/2014/main" id="{AF0E75BA-EE19-2C74-0085-1C193F02EE1E}"/>
+                  </a:ext>
+                </a:extLst>
+              </p:cNvPr>
+              <p:cNvSpPr/>
+              <p:nvPr/>
+            </p:nvSpPr>
+            <p:spPr>
+              <a:xfrm>
+                <a:off x="2203876" y="1108890"/>
+                <a:ext cx="1582582" cy="3238548"/>
+              </a:xfrm>
+              <a:prstGeom prst="rect">
+                <a:avLst/>
+              </a:prstGeom>
+              <a:blipFill>
+                <a:blip r:embed="rId3"/>
+                <a:stretch>
+                  <a:fillRect/>
+                </a:stretch>
+              </a:blipFill>
+              <a:ln>
+                <a:noFill/>
+              </a:ln>
+              <a:effectLst>
+                <a:outerShdw blurRad="63500" sx="102000" sy="102000" algn="ctr" rotWithShape="0">
+                  <a:prstClr val="black">
+                    <a:alpha val="40000"/>
+                  </a:prstClr>
+                </a:outerShdw>
+              </a:effectLst>
+            </p:spPr>
+            <p:style>
+              <a:lnRef idx="2">
+                <a:schemeClr val="accent1">
+                  <a:shade val="50000"/>
+                </a:schemeClr>
+              </a:lnRef>
+              <a:fillRef idx="1">
+                <a:schemeClr val="accent1"/>
+              </a:fillRef>
+              <a:effectRef idx="0">
+                <a:schemeClr val="accent1"/>
+              </a:effectRef>
+              <a:fontRef idx="minor">
+                <a:schemeClr val="lt1"/>
+              </a:fontRef>
+            </p:style>
+            <p:txBody>
+              <a:bodyPr rtlCol="0" anchor="ctr"/>
+              <a:lstStyle/>
+              <a:p>
+                <a:pPr algn="ctr"/>
+                <a:endParaRPr lang="ko-KR" altLang="en-US"/>
+              </a:p>
+            </p:txBody>
+          </p:sp>
+          <p:sp>
+            <p:nvSpPr>
+              <p:cNvPr id="5" name="직사각형 4">
+                <a:extLst>
+                  <a:ext uri="{FF2B5EF4-FFF2-40B4-BE49-F238E27FC236}">
+                    <a16:creationId xmlns:a16="http://schemas.microsoft.com/office/drawing/2014/main" id="{C7E12C61-E127-3DD8-F2BC-3D435907427E}"/>
+                  </a:ext>
+                </a:extLst>
+              </p:cNvPr>
+              <p:cNvSpPr/>
+              <p:nvPr/>
+            </p:nvSpPr>
+            <p:spPr>
+              <a:xfrm>
+                <a:off x="3967805" y="1108890"/>
+                <a:ext cx="1582582" cy="3238548"/>
+              </a:xfrm>
+              <a:prstGeom prst="rect">
+                <a:avLst/>
+              </a:prstGeom>
+              <a:blipFill>
+                <a:blip r:embed="rId4"/>
+                <a:stretch>
+                  <a:fillRect/>
+                </a:stretch>
+              </a:blipFill>
+              <a:ln>
+                <a:noFill/>
+              </a:ln>
+              <a:effectLst>
+                <a:outerShdw blurRad="63500" sx="102000" sy="102000" algn="ctr" rotWithShape="0">
+                  <a:prstClr val="black">
+                    <a:alpha val="40000"/>
+                  </a:prstClr>
+                </a:outerShdw>
+              </a:effectLst>
+            </p:spPr>
+            <p:style>
+              <a:lnRef idx="2">
+                <a:schemeClr val="accent1">
+                  <a:shade val="50000"/>
+                </a:schemeClr>
+              </a:lnRef>
+              <a:fillRef idx="1">
+                <a:schemeClr val="accent1"/>
+              </a:fillRef>
+              <a:effectRef idx="0">
+                <a:schemeClr val="accent1"/>
+              </a:effectRef>
+              <a:fontRef idx="minor">
+                <a:schemeClr val="lt1"/>
+              </a:fontRef>
+            </p:style>
+            <p:txBody>
+              <a:bodyPr rtlCol="0" anchor="ctr"/>
+              <a:lstStyle/>
+              <a:p>
+                <a:pPr algn="ctr"/>
+                <a:endParaRPr lang="ko-KR" altLang="en-US"/>
+              </a:p>
+            </p:txBody>
+          </p:sp>
+          <p:sp>
+            <p:nvSpPr>
+              <p:cNvPr id="6" name="직사각형 5">
+                <a:extLst>
+                  <a:ext uri="{FF2B5EF4-FFF2-40B4-BE49-F238E27FC236}">
+                    <a16:creationId xmlns:a16="http://schemas.microsoft.com/office/drawing/2014/main" id="{C9336195-7AB5-78AB-6D3C-0CA556D2426C}"/>
+                  </a:ext>
+                </a:extLst>
+              </p:cNvPr>
+              <p:cNvSpPr/>
+              <p:nvPr/>
+            </p:nvSpPr>
+            <p:spPr>
+              <a:xfrm>
+                <a:off x="5731734" y="1108890"/>
+                <a:ext cx="1582582" cy="3238548"/>
+              </a:xfrm>
+              <a:prstGeom prst="rect">
+                <a:avLst/>
+              </a:prstGeom>
+              <a:blipFill>
+                <a:blip r:embed="rId5"/>
+                <a:stretch>
+                  <a:fillRect/>
+                </a:stretch>
+              </a:blipFill>
+              <a:ln>
+                <a:noFill/>
+              </a:ln>
+              <a:effectLst>
+                <a:outerShdw blurRad="63500" sx="102000" sy="102000" algn="ctr" rotWithShape="0">
+                  <a:prstClr val="black">
+                    <a:alpha val="40000"/>
+                  </a:prstClr>
+                </a:outerShdw>
+              </a:effectLst>
+            </p:spPr>
+            <p:style>
+              <a:lnRef idx="2">
+                <a:schemeClr val="accent1">
+                  <a:shade val="50000"/>
+                </a:schemeClr>
+              </a:lnRef>
+              <a:fillRef idx="1">
+                <a:schemeClr val="accent1"/>
+              </a:fillRef>
+              <a:effectRef idx="0">
+                <a:schemeClr val="accent1"/>
+              </a:effectRef>
+              <a:fontRef idx="minor">
+                <a:schemeClr val="lt1"/>
+              </a:fontRef>
+            </p:style>
+            <p:txBody>
+              <a:bodyPr rtlCol="0" anchor="ctr"/>
+              <a:lstStyle/>
+              <a:p>
+                <a:pPr algn="ctr"/>
+                <a:endParaRPr lang="ko-KR" altLang="en-US"/>
+              </a:p>
+            </p:txBody>
+          </p:sp>
+        </p:grpSp>
+        <p:sp>
+          <p:nvSpPr>
+            <p:cNvPr id="12" name="TextBox 11">
+              <a:extLst>
+                <a:ext uri="{FF2B5EF4-FFF2-40B4-BE49-F238E27FC236}">
+                  <a16:creationId xmlns:a16="http://schemas.microsoft.com/office/drawing/2014/main" id="{E60D25A4-859B-706B-1893-677B183B803E}"/>
+                </a:ext>
+              </a:extLst>
+            </p:cNvPr>
+            <p:cNvSpPr txBox="1"/>
+            <p:nvPr/>
+          </p:nvSpPr>
+          <p:spPr>
+            <a:xfrm>
+              <a:off x="1134815" y="5120640"/>
+              <a:ext cx="6874369" cy="646331"/>
+            </a:xfrm>
+            <a:prstGeom prst="rect">
+              <a:avLst/>
+            </a:prstGeom>
+            <a:noFill/>
+          </p:spPr>
+          <p:txBody>
+            <a:bodyPr wrap="square" rtlCol="0">
+              <a:spAutoFit/>
+            </a:bodyPr>
+            <a:lstStyle/>
+            <a:p>
+              <a:r>
+                <a:rPr lang="ko-KR" altLang="en-US" b="1" dirty="0"/>
+                <a:t> </a:t>
+              </a:r>
+              <a:r>
+                <a:rPr lang="en-US" altLang="ko-KR" b="1" dirty="0"/>
+                <a:t>- </a:t>
+              </a:r>
+              <a:r>
+                <a:rPr lang="ko-KR" altLang="en-US" b="1" dirty="0"/>
+                <a:t>기본적으로 </a:t>
+              </a:r>
+              <a:r>
+                <a:rPr lang="en-US" altLang="ko-KR" b="1" dirty="0"/>
+                <a:t>Text-to-Speech </a:t>
+              </a:r>
+              <a:r>
+                <a:rPr lang="ko-KR" altLang="en-US" b="1" dirty="0"/>
+                <a:t>기능을 </a:t>
+              </a:r>
+              <a:r>
+                <a:rPr lang="ko-KR" altLang="en-US" b="1" dirty="0">
+                  <a:solidFill>
+                    <a:srgbClr val="FF0000"/>
+                  </a:solidFill>
+                </a:rPr>
+                <a:t>전체 </a:t>
+              </a:r>
+              <a:r>
+                <a:rPr lang="en-US" altLang="ko-KR" b="1" dirty="0">
+                  <a:solidFill>
+                    <a:srgbClr val="FF0000"/>
+                  </a:solidFill>
+                </a:rPr>
+                <a:t>UI</a:t>
+              </a:r>
+              <a:r>
+                <a:rPr lang="ko-KR" altLang="en-US" b="1" dirty="0"/>
+                <a:t>에 적용했습니다</a:t>
+              </a:r>
+              <a:r>
+                <a:rPr lang="en-US" altLang="ko-KR" b="1" dirty="0"/>
+                <a:t>.</a:t>
+              </a:r>
+            </a:p>
+            <a:p>
+              <a:r>
+                <a:rPr lang="en-US" altLang="ko-KR" b="1" dirty="0"/>
+                <a:t> - Speech-to-Text </a:t>
+              </a:r>
+              <a:r>
+                <a:rPr lang="ko-KR" altLang="en-US" b="1" dirty="0"/>
+                <a:t>기능을 </a:t>
+              </a:r>
+              <a:r>
+                <a:rPr lang="ko-KR" altLang="en-US" b="1" dirty="0">
+                  <a:solidFill>
+                    <a:srgbClr val="FF0000"/>
+                  </a:solidFill>
+                </a:rPr>
+                <a:t>폴더 생성</a:t>
+              </a:r>
+              <a:r>
+                <a:rPr lang="ko-KR" altLang="en-US" b="1" dirty="0"/>
+                <a:t> 및 </a:t>
+              </a:r>
+              <a:r>
+                <a:rPr lang="ko-KR" altLang="en-US" b="1" dirty="0">
+                  <a:solidFill>
+                    <a:srgbClr val="FF0000"/>
+                  </a:solidFill>
+                </a:rPr>
+                <a:t>파일 찾기</a:t>
+              </a:r>
+              <a:r>
+                <a:rPr lang="ko-KR" altLang="en-US" b="1" dirty="0"/>
+                <a:t>에 적용했습니다</a:t>
+              </a:r>
+              <a:r>
+                <a:rPr lang="en-US" altLang="ko-KR" b="1" dirty="0"/>
+                <a:t>.</a:t>
+              </a:r>
+              <a:endParaRPr lang="ko-KR" altLang="en-US" b="1" dirty="0"/>
+            </a:p>
+          </p:txBody>
+        </p:sp>
+      </p:grpSp>
+    </p:spTree>
+    <p:extLst>
+      <p:ext uri="{BB962C8B-B14F-4D97-AF65-F5344CB8AC3E}">
+        <p14:creationId xmlns:p14="http://schemas.microsoft.com/office/powerpoint/2010/main" val="2941327521"/>
+      </p:ext>
+    </p:extLst>
+  </p:cSld>
+  <p:clrMapOvr>
+    <a:masterClrMapping/>
+  </p:clrMapOvr>
+</p:sld>
+</file>
+
+<file path=ppt/slides/slide3.xml><?xml version="1.0" encoding="utf-8"?>
+<p:sld xmlns:a="http://schemas.openxmlformats.org/drawingml/2006/main" xmlns:r="http://schemas.openxmlformats.org/officeDocument/2006/relationships" xmlns:p="http://schemas.openxmlformats.org/presentationml/2006/main">
+  <p:cSld>
+    <p:spTree>
+      <p:nvGrpSpPr>
+        <p:cNvPr id="1" name=""/>
+        <p:cNvGrpSpPr/>
+        <p:nvPr/>
+      </p:nvGrpSpPr>
+      <p:grpSpPr>
+        <a:xfrm>
+          <a:off x="0" y="0"/>
+          <a:ext cx="0" cy="0"/>
+          <a:chOff x="0" y="0"/>
+          <a:chExt cx="0" cy="0"/>
+        </a:xfrm>
+      </p:grpSpPr>
+      <p:sp>
+        <p:nvSpPr>
+          <p:cNvPr id="2" name="제목 1">
+            <a:extLst>
+              <a:ext uri="{FF2B5EF4-FFF2-40B4-BE49-F238E27FC236}">
+                <a16:creationId xmlns:a16="http://schemas.microsoft.com/office/drawing/2014/main" id="{9E8422DA-4CA3-84BC-155D-F25365A2D164}"/>
+              </a:ext>
+            </a:extLst>
+          </p:cNvPr>
+          <p:cNvSpPr>
+            <a:spLocks noGrp="1"/>
+          </p:cNvSpPr>
+          <p:nvPr>
+            <p:ph type="title"/>
+          </p:nvPr>
+        </p:nvSpPr>
+        <p:spPr/>
+        <p:txBody>
+          <a:bodyPr/>
+          <a:lstStyle/>
+          <a:p>
+            <a:r>
+              <a:rPr lang="en-US" altLang="ko-KR" dirty="0"/>
+              <a:t>1</a:t>
+            </a:r>
+            <a:r>
+              <a:rPr lang="ko-KR" altLang="en-US" dirty="0"/>
+              <a:t>주차</a:t>
+            </a:r>
+            <a:r>
+              <a:rPr lang="en-US" altLang="ko-KR" dirty="0"/>
+              <a:t>~8</a:t>
+            </a:r>
+            <a:r>
+              <a:rPr lang="ko-KR" altLang="en-US" dirty="0"/>
+              <a:t>주차</a:t>
+            </a:r>
+            <a:r>
+              <a:rPr lang="en-US" altLang="ko-KR" dirty="0"/>
+              <a:t> : </a:t>
+            </a:r>
+            <a:r>
+              <a:rPr lang="ko-KR" altLang="en-US" dirty="0"/>
+              <a:t>중간보고서 당시</a:t>
+            </a:r>
+          </a:p>
+        </p:txBody>
+      </p:sp>
+      <p:sp>
+        <p:nvSpPr>
+          <p:cNvPr id="4" name="슬라이드 번호 개체 틀 3">
+            <a:extLst>
+              <a:ext uri="{FF2B5EF4-FFF2-40B4-BE49-F238E27FC236}">
+                <a16:creationId xmlns:a16="http://schemas.microsoft.com/office/drawing/2014/main" id="{144E874E-9C4F-B19B-1A6E-105B641D929F}"/>
+              </a:ext>
+            </a:extLst>
+          </p:cNvPr>
+          <p:cNvSpPr>
+            <a:spLocks noGrp="1"/>
+          </p:cNvSpPr>
+          <p:nvPr>
+            <p:ph type="sldNum" sz="quarter" idx="12"/>
+          </p:nvPr>
+        </p:nvSpPr>
+        <p:spPr/>
+        <p:txBody>
+          <a:bodyPr/>
+          <a:lstStyle/>
+          <a:p>
+            <a:fld id="{2F00E46C-ED49-42AD-BB6D-7499E1F08A71}" type="slidenum">
+              <a:rPr lang="ko-KR" altLang="en-US" smtClean="0"/>
+              <a:t>3</a:t>
+            </a:fld>
+            <a:endParaRPr lang="ko-KR" altLang="en-US"/>
+          </a:p>
+        </p:txBody>
+      </p:sp>
+      <p:grpSp>
+        <p:nvGrpSpPr>
+          <p:cNvPr id="13" name="그룹 12">
+            <a:extLst>
+              <a:ext uri="{FF2B5EF4-FFF2-40B4-BE49-F238E27FC236}">
+                <a16:creationId xmlns:a16="http://schemas.microsoft.com/office/drawing/2014/main" id="{13B0B796-9EC9-673D-9BFF-E0F1571EB487}"/>
+              </a:ext>
+            </a:extLst>
+          </p:cNvPr>
+          <p:cNvGrpSpPr/>
+          <p:nvPr/>
+        </p:nvGrpSpPr>
+        <p:grpSpPr>
+          <a:xfrm>
+            <a:off x="2408042" y="1238883"/>
+            <a:ext cx="4327914" cy="3828528"/>
+            <a:chOff x="2408042" y="1238883"/>
+            <a:chExt cx="4327914" cy="3828528"/>
+          </a:xfrm>
+        </p:grpSpPr>
+        <p:sp>
+          <p:nvSpPr>
+            <p:cNvPr id="12" name="직사각형 11">
+              <a:extLst>
+                <a:ext uri="{FF2B5EF4-FFF2-40B4-BE49-F238E27FC236}">
+                  <a16:creationId xmlns:a16="http://schemas.microsoft.com/office/drawing/2014/main" id="{01DF0773-B228-43F2-D648-FD18076F76CC}"/>
+                </a:ext>
+              </a:extLst>
+            </p:cNvPr>
+            <p:cNvSpPr/>
+            <p:nvPr/>
+          </p:nvSpPr>
+          <p:spPr>
+            <a:xfrm>
+              <a:off x="4865069" y="1238883"/>
+              <a:ext cx="1870887" cy="3828527"/>
+            </a:xfrm>
+            <a:prstGeom prst="rect">
+              <a:avLst/>
+            </a:prstGeom>
+            <a:blipFill>
+              <a:blip r:embed="rId2"/>
+              <a:stretch>
+                <a:fillRect/>
+              </a:stretch>
+            </a:blipFill>
+            <a:ln>
+              <a:noFill/>
+            </a:ln>
+            <a:effectLst>
+              <a:outerShdw blurRad="63500" sx="102000" sy="102000" algn="ctr" rotWithShape="0">
+                <a:prstClr val="black">
+                  <a:alpha val="40000"/>
+                </a:prstClr>
+              </a:outerShdw>
+            </a:effectLst>
+          </p:spPr>
+          <p:style>
+            <a:lnRef idx="2">
+              <a:schemeClr val="accent1">
+                <a:shade val="50000"/>
+              </a:schemeClr>
+            </a:lnRef>
+            <a:fillRef idx="1">
+              <a:schemeClr val="accent1"/>
+            </a:fillRef>
+            <a:effectRef idx="0">
+              <a:schemeClr val="accent1"/>
+            </a:effectRef>
+            <a:fontRef idx="minor">
+              <a:schemeClr val="lt1"/>
+            </a:fontRef>
+          </p:style>
+          <p:txBody>
+            <a:bodyPr rtlCol="0" anchor="ctr"/>
+            <a:lstStyle/>
+            <a:p>
+              <a:pPr algn="ctr"/>
+              <a:endParaRPr lang="ko-KR" altLang="en-US"/>
+            </a:p>
+          </p:txBody>
+        </p:sp>
+        <p:grpSp>
+          <p:nvGrpSpPr>
+            <p:cNvPr id="7" name="그룹 6">
+              <a:extLst>
+                <a:ext uri="{FF2B5EF4-FFF2-40B4-BE49-F238E27FC236}">
+                  <a16:creationId xmlns:a16="http://schemas.microsoft.com/office/drawing/2014/main" id="{0EC92A95-CC3E-E874-DE6C-3B53F1BF098E}"/>
+                </a:ext>
+              </a:extLst>
+            </p:cNvPr>
+            <p:cNvGrpSpPr/>
+            <p:nvPr/>
+          </p:nvGrpSpPr>
+          <p:grpSpPr>
+            <a:xfrm>
+              <a:off x="2408042" y="1238884"/>
+              <a:ext cx="2507846" cy="3828527"/>
+              <a:chOff x="1248032" y="977154"/>
+              <a:chExt cx="3852202" cy="5880846"/>
+            </a:xfrm>
+          </p:grpSpPr>
+          <p:sp>
+            <p:nvSpPr>
+              <p:cNvPr id="10" name="직사각형 9">
+                <a:extLst>
+                  <a:ext uri="{FF2B5EF4-FFF2-40B4-BE49-F238E27FC236}">
+                    <a16:creationId xmlns:a16="http://schemas.microsoft.com/office/drawing/2014/main" id="{0F65E4F2-EA6F-4607-E4D4-561BF2BE023B}"/>
+                  </a:ext>
+                </a:extLst>
+              </p:cNvPr>
+              <p:cNvSpPr/>
+              <p:nvPr/>
+            </p:nvSpPr>
+            <p:spPr>
+              <a:xfrm>
+                <a:off x="1248032" y="977154"/>
+                <a:ext cx="2873794" cy="5880846"/>
+              </a:xfrm>
+              <a:prstGeom prst="rect">
+                <a:avLst/>
+              </a:prstGeom>
+              <a:blipFill>
+                <a:blip r:embed="rId3"/>
+                <a:stretch>
+                  <a:fillRect/>
+                </a:stretch>
+              </a:blipFill>
+              <a:ln>
+                <a:noFill/>
+              </a:ln>
+              <a:effectLst>
+                <a:outerShdw blurRad="63500" sx="102000" sy="102000" algn="ctr" rotWithShape="0">
+                  <a:prstClr val="black">
+                    <a:alpha val="40000"/>
+                  </a:prstClr>
+                </a:outerShdw>
+              </a:effectLst>
+            </p:spPr>
+            <p:style>
+              <a:lnRef idx="2">
+                <a:schemeClr val="accent1">
+                  <a:shade val="50000"/>
+                </a:schemeClr>
+              </a:lnRef>
+              <a:fillRef idx="1">
+                <a:schemeClr val="accent1"/>
+              </a:fillRef>
+              <a:effectRef idx="0">
+                <a:schemeClr val="accent1"/>
+              </a:effectRef>
+              <a:fontRef idx="minor">
+                <a:schemeClr val="lt1"/>
+              </a:fontRef>
+            </p:style>
+            <p:txBody>
+              <a:bodyPr rtlCol="0" anchor="ctr"/>
+              <a:lstStyle/>
+              <a:p>
+                <a:pPr algn="ctr"/>
+                <a:endParaRPr lang="ko-KR" altLang="en-US"/>
+              </a:p>
+            </p:txBody>
+          </p:sp>
+          <p:sp>
+            <p:nvSpPr>
+              <p:cNvPr id="6" name="화살표: 오른쪽 5">
+                <a:extLst>
+                  <a:ext uri="{FF2B5EF4-FFF2-40B4-BE49-F238E27FC236}">
+                    <a16:creationId xmlns:a16="http://schemas.microsoft.com/office/drawing/2014/main" id="{96B27783-9D75-78D3-121B-F2851C9AB9CB}"/>
+                  </a:ext>
+                </a:extLst>
+              </p:cNvPr>
+              <p:cNvSpPr/>
+              <p:nvPr/>
+            </p:nvSpPr>
+            <p:spPr>
+              <a:xfrm>
+                <a:off x="4121826" y="2832848"/>
+                <a:ext cx="978408" cy="484632"/>
+              </a:xfrm>
+              <a:prstGeom prst="rightArrow">
+                <a:avLst/>
+              </a:prstGeom>
+              <a:solidFill>
+                <a:srgbClr val="FF0000"/>
+              </a:solidFill>
+              <a:ln>
+                <a:noFill/>
+              </a:ln>
+            </p:spPr>
+            <p:style>
+              <a:lnRef idx="2">
+                <a:schemeClr val="accent1">
+                  <a:shade val="50000"/>
+                </a:schemeClr>
+              </a:lnRef>
+              <a:fillRef idx="1">
+                <a:schemeClr val="accent1"/>
+              </a:fillRef>
+              <a:effectRef idx="0">
+                <a:schemeClr val="accent1"/>
+              </a:effectRef>
+              <a:fontRef idx="minor">
+                <a:schemeClr val="lt1"/>
+              </a:fontRef>
+            </p:style>
+            <p:txBody>
+              <a:bodyPr rtlCol="0" anchor="ctr"/>
+              <a:lstStyle/>
+              <a:p>
+                <a:pPr algn="ctr"/>
+                <a:endParaRPr lang="ko-KR" altLang="en-US"/>
+              </a:p>
+            </p:txBody>
+          </p:sp>
+        </p:grpSp>
+      </p:grpSp>
+      <p:sp>
+        <p:nvSpPr>
+          <p:cNvPr id="8" name="TextBox 7">
+            <a:extLst>
+              <a:ext uri="{FF2B5EF4-FFF2-40B4-BE49-F238E27FC236}">
+                <a16:creationId xmlns:a16="http://schemas.microsoft.com/office/drawing/2014/main" id="{BA2307D8-F7BD-2245-67FA-CB61CB763672}"/>
+              </a:ext>
+            </a:extLst>
+          </p:cNvPr>
+          <p:cNvSpPr txBox="1"/>
+          <p:nvPr/>
+        </p:nvSpPr>
+        <p:spPr>
+          <a:xfrm>
+            <a:off x="1134815" y="5332651"/>
+            <a:ext cx="6874369" cy="646331"/>
+          </a:xfrm>
+          <a:prstGeom prst="rect">
+            <a:avLst/>
+          </a:prstGeom>
+          <a:noFill/>
+        </p:spPr>
+        <p:txBody>
+          <a:bodyPr wrap="square" rtlCol="0">
+            <a:spAutoFit/>
+          </a:bodyPr>
+          <a:lstStyle/>
+          <a:p>
+            <a:r>
+              <a:rPr lang="ko-KR" altLang="en-US" b="1" dirty="0"/>
+              <a:t> </a:t>
+            </a:r>
+            <a:r>
+              <a:rPr lang="en-US" altLang="ko-KR" b="1" dirty="0"/>
+              <a:t>- </a:t>
+            </a:r>
+            <a:r>
+              <a:rPr lang="ko-KR" altLang="en-US" b="1" dirty="0"/>
+              <a:t>녹음을 완료했을 때 이어서 녹음할 지 다시 할 지를 묻는 화면을                                                                 만들었습니다</a:t>
+            </a:r>
+            <a:r>
+              <a:rPr lang="en-US" altLang="ko-KR" b="1" dirty="0"/>
+              <a:t>.</a:t>
+            </a:r>
+            <a:r>
+              <a:rPr lang="ko-KR" altLang="en-US" b="1" dirty="0"/>
+              <a:t> </a:t>
+            </a:r>
+          </a:p>
+        </p:txBody>
+      </p:sp>
+    </p:spTree>
+    <p:extLst>
+      <p:ext uri="{BB962C8B-B14F-4D97-AF65-F5344CB8AC3E}">
+        <p14:creationId xmlns:p14="http://schemas.microsoft.com/office/powerpoint/2010/main" val="903013836"/>
+      </p:ext>
+    </p:extLst>
+  </p:cSld>
+  <p:clrMapOvr>
+    <a:masterClrMapping/>
+  </p:clrMapOvr>
+</p:sld>
+</file>
+
+<file path=ppt/slides/slide4.xml><?xml version="1.0" encoding="utf-8"?>
+<p:sld xmlns:a="http://schemas.openxmlformats.org/drawingml/2006/main" xmlns:r="http://schemas.openxmlformats.org/officeDocument/2006/relationships" xmlns:p="http://schemas.openxmlformats.org/presentationml/2006/main">
+  <p:cSld>
+    <p:spTree>
+      <p:nvGrpSpPr>
+        <p:cNvPr id="1" name=""/>
+        <p:cNvGrpSpPr/>
+        <p:nvPr/>
+      </p:nvGrpSpPr>
+      <p:grpSpPr>
+        <a:xfrm>
+          <a:off x="0" y="0"/>
+          <a:ext cx="0" cy="0"/>
+          <a:chOff x="0" y="0"/>
+          <a:chExt cx="0" cy="0"/>
+        </a:xfrm>
+      </p:grpSpPr>
+      <p:sp>
+        <p:nvSpPr>
+          <p:cNvPr id="2" name="제목 1">
+            <a:extLst>
+              <a:ext uri="{FF2B5EF4-FFF2-40B4-BE49-F238E27FC236}">
+                <a16:creationId xmlns:a16="http://schemas.microsoft.com/office/drawing/2014/main" id="{9E8422DA-4CA3-84BC-155D-F25365A2D164}"/>
+              </a:ext>
+            </a:extLst>
+          </p:cNvPr>
+          <p:cNvSpPr>
+            <a:spLocks noGrp="1"/>
+          </p:cNvSpPr>
+          <p:nvPr>
+            <p:ph type="title"/>
+          </p:nvPr>
+        </p:nvSpPr>
+        <p:spPr/>
+        <p:txBody>
+          <a:bodyPr/>
+          <a:lstStyle/>
+          <a:p>
+            <a:r>
+              <a:rPr lang="en-US" altLang="ko-KR" dirty="0"/>
+              <a:t>1</a:t>
+            </a:r>
+            <a:r>
+              <a:rPr lang="ko-KR" altLang="en-US" dirty="0"/>
+              <a:t>주차</a:t>
+            </a:r>
+            <a:r>
+              <a:rPr lang="en-US" altLang="ko-KR" dirty="0"/>
+              <a:t>~8</a:t>
+            </a:r>
+            <a:r>
+              <a:rPr lang="ko-KR" altLang="en-US" dirty="0"/>
+              <a:t>주차</a:t>
+            </a:r>
+            <a:r>
+              <a:rPr lang="en-US" altLang="ko-KR" dirty="0"/>
+              <a:t> : </a:t>
+            </a:r>
+            <a:r>
+              <a:rPr lang="ko-KR" altLang="en-US" dirty="0"/>
+              <a:t>중간보고서 당시</a:t>
+            </a:r>
+          </a:p>
+        </p:txBody>
+      </p:sp>
+      <p:sp>
+        <p:nvSpPr>
+          <p:cNvPr id="4" name="슬라이드 번호 개체 틀 3">
+            <a:extLst>
+              <a:ext uri="{FF2B5EF4-FFF2-40B4-BE49-F238E27FC236}">
+                <a16:creationId xmlns:a16="http://schemas.microsoft.com/office/drawing/2014/main" id="{144E874E-9C4F-B19B-1A6E-105B641D929F}"/>
+              </a:ext>
+            </a:extLst>
+          </p:cNvPr>
+          <p:cNvSpPr>
+            <a:spLocks noGrp="1"/>
+          </p:cNvSpPr>
+          <p:nvPr>
+            <p:ph type="sldNum" sz="quarter" idx="12"/>
+          </p:nvPr>
+        </p:nvSpPr>
+        <p:spPr/>
+        <p:txBody>
+          <a:bodyPr/>
+          <a:lstStyle/>
+          <a:p>
+            <a:fld id="{2F00E46C-ED49-42AD-BB6D-7499E1F08A71}" type="slidenum">
+              <a:rPr lang="ko-KR" altLang="en-US" smtClean="0"/>
+              <a:t>4</a:t>
             </a:fld>
             <a:endParaRPr lang="ko-KR" altLang="en-US"/>
           </a:p>
@@ -4481,8 +5411,8 @@
         </p:nvGrpSpPr>
         <p:grpSpPr>
           <a:xfrm>
-            <a:off x="1248032" y="977152"/>
-            <a:ext cx="6647935" cy="5880848"/>
+            <a:off x="2408043" y="1238883"/>
+            <a:ext cx="4327914" cy="3828527"/>
             <a:chOff x="3141524" y="977151"/>
             <a:chExt cx="6647935" cy="5880848"/>
           </a:xfrm>
@@ -4612,6 +5542,136 @@
           </p:txBody>
         </p:sp>
       </p:grpSp>
+      <p:sp>
+        <p:nvSpPr>
+          <p:cNvPr id="12" name="TextBox 11">
+            <a:extLst>
+              <a:ext uri="{FF2B5EF4-FFF2-40B4-BE49-F238E27FC236}">
+                <a16:creationId xmlns:a16="http://schemas.microsoft.com/office/drawing/2014/main" id="{B84AC576-B6ED-8849-DDDA-3B4137334F8E}"/>
+              </a:ext>
+            </a:extLst>
+          </p:cNvPr>
+          <p:cNvSpPr txBox="1"/>
+          <p:nvPr/>
+        </p:nvSpPr>
+        <p:spPr>
+          <a:xfrm>
+            <a:off x="4331365" y="2968480"/>
+            <a:ext cx="470000" cy="369332"/>
+          </a:xfrm>
+          <a:prstGeom prst="rect">
+            <a:avLst/>
+          </a:prstGeom>
+          <a:noFill/>
+        </p:spPr>
+        <p:txBody>
+          <a:bodyPr wrap="none" rtlCol="0">
+            <a:spAutoFit/>
+          </a:bodyPr>
+          <a:lstStyle/>
+          <a:p>
+            <a:r>
+              <a:rPr lang="en-US" altLang="ko-KR" b="1" dirty="0">
+                <a:solidFill>
+                  <a:srgbClr val="FF0000"/>
+                </a:solidFill>
+              </a:rPr>
+              <a:t>OR</a:t>
+            </a:r>
+            <a:endParaRPr lang="ko-KR" altLang="en-US" b="1" dirty="0">
+              <a:solidFill>
+                <a:srgbClr val="FF0000"/>
+              </a:solidFill>
+            </a:endParaRPr>
+          </a:p>
+        </p:txBody>
+      </p:sp>
+      <p:sp>
+        <p:nvSpPr>
+          <p:cNvPr id="13" name="TextBox 12">
+            <a:extLst>
+              <a:ext uri="{FF2B5EF4-FFF2-40B4-BE49-F238E27FC236}">
+                <a16:creationId xmlns:a16="http://schemas.microsoft.com/office/drawing/2014/main" id="{0620F42D-5D94-2D69-A9A7-B2839E77EB0C}"/>
+              </a:ext>
+            </a:extLst>
+          </p:cNvPr>
+          <p:cNvSpPr txBox="1"/>
+          <p:nvPr/>
+        </p:nvSpPr>
+        <p:spPr>
+          <a:xfrm>
+            <a:off x="1134815" y="5332651"/>
+            <a:ext cx="6874369" cy="646331"/>
+          </a:xfrm>
+          <a:prstGeom prst="rect">
+            <a:avLst/>
+          </a:prstGeom>
+          <a:noFill/>
+        </p:spPr>
+        <p:txBody>
+          <a:bodyPr wrap="square" rtlCol="0">
+            <a:spAutoFit/>
+          </a:bodyPr>
+          <a:lstStyle/>
+          <a:p>
+            <a:r>
+              <a:rPr lang="ko-KR" altLang="en-US" b="1" dirty="0"/>
+              <a:t> </a:t>
+            </a:r>
+            <a:r>
+              <a:rPr lang="en-US" altLang="ko-KR" b="1" dirty="0"/>
+              <a:t>- </a:t>
+            </a:r>
+            <a:r>
+              <a:rPr lang="ko-KR" altLang="en-US" b="1" dirty="0"/>
+              <a:t>녹음된 파일은 </a:t>
+            </a:r>
+            <a:r>
+              <a:rPr lang="en-US" altLang="ko-KR" b="1" dirty="0">
+                <a:solidFill>
+                  <a:srgbClr val="FF0000"/>
+                </a:solidFill>
+              </a:rPr>
+              <a:t>Speech-to-Text</a:t>
+            </a:r>
+            <a:r>
+              <a:rPr lang="en-US" altLang="ko-KR" b="1" dirty="0"/>
+              <a:t> </a:t>
+            </a:r>
+            <a:r>
+              <a:rPr lang="ko-KR" altLang="en-US" b="1" dirty="0"/>
+              <a:t>기능으로 찾을 수 있습니다</a:t>
+            </a:r>
+            <a:r>
+              <a:rPr lang="en-US" altLang="ko-KR" b="1" dirty="0"/>
+              <a:t>.</a:t>
+            </a:r>
+          </a:p>
+          <a:p>
+            <a:r>
+              <a:rPr lang="en-US" altLang="ko-KR" b="1" dirty="0"/>
+              <a:t> - </a:t>
+            </a:r>
+            <a:r>
+              <a:rPr lang="ko-KR" altLang="en-US" b="1" dirty="0">
+                <a:solidFill>
+                  <a:srgbClr val="FF0000"/>
+                </a:solidFill>
+              </a:rPr>
+              <a:t>수동</a:t>
+            </a:r>
+            <a:r>
+              <a:rPr lang="ko-KR" altLang="en-US" b="1" dirty="0"/>
+              <a:t>으로 폴더를 탐색하여 찾는 방법도 지원하고 있습니다</a:t>
+            </a:r>
+            <a:r>
+              <a:rPr lang="en-US" altLang="ko-KR" b="1" dirty="0"/>
+              <a:t>.</a:t>
+            </a:r>
+            <a:endParaRPr lang="ko-KR" altLang="en-US" b="1" dirty="0"/>
+          </a:p>
+        </p:txBody>
+      </p:sp>
     </p:spTree>
     <p:extLst>
       <p:ext uri="{BB962C8B-B14F-4D97-AF65-F5344CB8AC3E}">
@@ -4625,7 +5685,7 @@
 </p:sld>
 </file>
 
-<file path=ppt/slides/slide11.xml><?xml version="1.0" encoding="utf-8"?>
+<file path=ppt/slides/slide5.xml><?xml version="1.0" encoding="utf-8"?>
 <p:sld xmlns:a="http://schemas.openxmlformats.org/drawingml/2006/main" xmlns:r="http://schemas.openxmlformats.org/officeDocument/2006/relationships" xmlns:p="http://schemas.openxmlformats.org/presentationml/2006/main">
   <p:cSld>
     <p:spTree>
@@ -4665,11 +5725,27 @@
           <a:p>
             <a:r>
               <a:rPr lang="en-US" altLang="ko-KR" dirty="0"/>
-              <a:t>11. </a:t>
+              <a:t>1</a:t>
             </a:r>
             <a:r>
               <a:rPr lang="ko-KR" altLang="en-US" dirty="0"/>
-              <a:t>파일을 찾았을 경우</a:t>
+              <a:t>주차</a:t>
+            </a:r>
+            <a:r>
+              <a:rPr lang="en-US" altLang="ko-KR" dirty="0"/>
+              <a:t>~8</a:t>
+            </a:r>
+            <a:r>
+              <a:rPr lang="ko-KR" altLang="en-US" dirty="0"/>
+              <a:t>주차</a:t>
+            </a:r>
+            <a:r>
+              <a:rPr lang="en-US" altLang="ko-KR" dirty="0"/>
+              <a:t> : </a:t>
+            </a:r>
+            <a:r>
+              <a:rPr lang="ko-KR" altLang="en-US" dirty="0"/>
+              <a:t>중간보고서 당시</a:t>
             </a:r>
           </a:p>
         </p:txBody>
@@ -4697,7 +5773,7 @@
           <a:p>
             <a:fld id="{2F00E46C-ED49-42AD-BB6D-7499E1F08A71}" type="slidenum">
               <a:rPr lang="ko-KR" altLang="en-US" smtClean="0"/>
-              <a:t>11</a:t>
+              <a:t>5</a:t>
             </a:fld>
             <a:endParaRPr lang="ko-KR" altLang="en-US"/>
           </a:p>
@@ -4717,8 +5793,8 @@
         </p:nvSpPr>
         <p:spPr>
           <a:xfrm>
-            <a:off x="3141524" y="977152"/>
-            <a:ext cx="2873794" cy="5880847"/>
+            <a:off x="3636555" y="1188289"/>
+            <a:ext cx="1870887" cy="3828528"/>
           </a:xfrm>
           <a:prstGeom prst="rect">
             <a:avLst/>
@@ -4765,947 +5841,62 @@
           </a:p>
         </p:txBody>
       </p:sp>
+      <p:sp>
+        <p:nvSpPr>
+          <p:cNvPr id="5" name="TextBox 4">
+            <a:extLst>
+              <a:ext uri="{FF2B5EF4-FFF2-40B4-BE49-F238E27FC236}">
+                <a16:creationId xmlns:a16="http://schemas.microsoft.com/office/drawing/2014/main" id="{8439356A-0090-A941-0DCF-A86954DD5619}"/>
+              </a:ext>
+            </a:extLst>
+          </p:cNvPr>
+          <p:cNvSpPr txBox="1"/>
+          <p:nvPr/>
+        </p:nvSpPr>
+        <p:spPr>
+          <a:xfrm>
+            <a:off x="1134815" y="5332651"/>
+            <a:ext cx="6874369" cy="369332"/>
+          </a:xfrm>
+          <a:prstGeom prst="rect">
+            <a:avLst/>
+          </a:prstGeom>
+          <a:noFill/>
+        </p:spPr>
+        <p:txBody>
+          <a:bodyPr wrap="square" rtlCol="0">
+            <a:spAutoFit/>
+          </a:bodyPr>
+          <a:lstStyle/>
+          <a:p>
+            <a:r>
+              <a:rPr lang="en-US" altLang="ko-KR" b="1" dirty="0"/>
+              <a:t> - </a:t>
+            </a:r>
+            <a:r>
+              <a:rPr lang="ko-KR" altLang="en-US" b="1" dirty="0"/>
+              <a:t>어떤 </a:t>
+            </a:r>
+            <a:r>
+              <a:rPr lang="ko-KR" altLang="en-US" b="1" dirty="0" err="1"/>
+              <a:t>방식으로든</a:t>
+            </a:r>
+            <a:r>
+              <a:rPr lang="ko-KR" altLang="en-US" b="1" dirty="0"/>
+              <a:t> 파일을 찾게 되면 자동으로 재생이 됩니다</a:t>
+            </a:r>
+            <a:r>
+              <a:rPr lang="en-US" altLang="ko-KR" b="1" dirty="0"/>
+              <a:t>.</a:t>
+            </a:r>
+            <a:endParaRPr lang="ko-KR" altLang="en-US" b="1" dirty="0"/>
+          </a:p>
+        </p:txBody>
+      </p:sp>
     </p:spTree>
     <p:extLst>
       <p:ext uri="{BB962C8B-B14F-4D97-AF65-F5344CB8AC3E}">
         <p14:creationId xmlns:p14="http://schemas.microsoft.com/office/powerpoint/2010/main" val="2725229910"/>
-      </p:ext>
-    </p:extLst>
-  </p:cSld>
-  <p:clrMapOvr>
-    <a:masterClrMapping/>
-  </p:clrMapOvr>
-</p:sld>
-</file>
-
-<file path=ppt/slides/slide12.xml><?xml version="1.0" encoding="utf-8"?>
-<p:sld xmlns:a="http://schemas.openxmlformats.org/drawingml/2006/main" xmlns:r="http://schemas.openxmlformats.org/officeDocument/2006/relationships" xmlns:p="http://schemas.openxmlformats.org/presentationml/2006/main">
-  <p:cSld>
-    <p:spTree>
-      <p:nvGrpSpPr>
-        <p:cNvPr id="1" name=""/>
-        <p:cNvGrpSpPr/>
-        <p:nvPr/>
-      </p:nvGrpSpPr>
-      <p:grpSpPr>
-        <a:xfrm>
-          <a:off x="0" y="0"/>
-          <a:ext cx="0" cy="0"/>
-          <a:chOff x="0" y="0"/>
-          <a:chExt cx="0" cy="0"/>
-        </a:xfrm>
-      </p:grpSpPr>
-      <p:sp>
-        <p:nvSpPr>
-          <p:cNvPr id="2" name="제목 1">
-            <a:extLst>
-              <a:ext uri="{FF2B5EF4-FFF2-40B4-BE49-F238E27FC236}">
-                <a16:creationId xmlns:a16="http://schemas.microsoft.com/office/drawing/2014/main" id="{74796B21-BAB4-5CFF-2FC5-63E0F1624D60}"/>
-              </a:ext>
-            </a:extLst>
-          </p:cNvPr>
-          <p:cNvSpPr>
-            <a:spLocks noGrp="1"/>
-          </p:cNvSpPr>
-          <p:nvPr>
-            <p:ph type="title"/>
-          </p:nvPr>
-        </p:nvSpPr>
-        <p:spPr/>
-        <p:txBody>
-          <a:bodyPr/>
-          <a:lstStyle/>
-          <a:p>
-            <a:r>
-              <a:rPr lang="en-US" altLang="ko-KR" dirty="0"/>
-              <a:t>12. </a:t>
-            </a:r>
-            <a:r>
-              <a:rPr lang="ko-KR" altLang="en-US" dirty="0" err="1"/>
-              <a:t>조이패드</a:t>
-            </a:r>
-            <a:r>
-              <a:rPr lang="ko-KR" altLang="en-US" dirty="0"/>
-              <a:t> 예제</a:t>
-            </a:r>
-            <a:r>
-              <a:rPr lang="en-US" altLang="ko-KR" dirty="0"/>
-              <a:t>(1)</a:t>
-            </a:r>
-            <a:endParaRPr lang="ko-KR" altLang="en-US" dirty="0"/>
-          </a:p>
-        </p:txBody>
-      </p:sp>
-      <p:sp>
-        <p:nvSpPr>
-          <p:cNvPr id="4" name="슬라이드 번호 개체 틀 3">
-            <a:extLst>
-              <a:ext uri="{FF2B5EF4-FFF2-40B4-BE49-F238E27FC236}">
-                <a16:creationId xmlns:a16="http://schemas.microsoft.com/office/drawing/2014/main" id="{4B819B50-84A2-2443-07AE-9CB954E0A075}"/>
-              </a:ext>
-            </a:extLst>
-          </p:cNvPr>
-          <p:cNvSpPr>
-            <a:spLocks noGrp="1"/>
-          </p:cNvSpPr>
-          <p:nvPr>
-            <p:ph type="sldNum" sz="quarter" idx="12"/>
-          </p:nvPr>
-        </p:nvSpPr>
-        <p:spPr/>
-        <p:txBody>
-          <a:bodyPr/>
-          <a:lstStyle/>
-          <a:p>
-            <a:fld id="{2F00E46C-ED49-42AD-BB6D-7499E1F08A71}" type="slidenum">
-              <a:rPr lang="ko-KR" altLang="en-US" smtClean="0"/>
-              <a:t>12</a:t>
-            </a:fld>
-            <a:endParaRPr lang="ko-KR" altLang="en-US"/>
-          </a:p>
-        </p:txBody>
-      </p:sp>
-      <p:sp>
-        <p:nvSpPr>
-          <p:cNvPr id="5" name="직사각형 4">
-            <a:extLst>
-              <a:ext uri="{FF2B5EF4-FFF2-40B4-BE49-F238E27FC236}">
-                <a16:creationId xmlns:a16="http://schemas.microsoft.com/office/drawing/2014/main" id="{A15F17F8-326A-89CF-0BFE-7FA5814A1871}"/>
-              </a:ext>
-            </a:extLst>
-          </p:cNvPr>
-          <p:cNvSpPr/>
-          <p:nvPr/>
-        </p:nvSpPr>
-        <p:spPr>
-          <a:xfrm>
-            <a:off x="3141524" y="977152"/>
-            <a:ext cx="2873794" cy="5880847"/>
-          </a:xfrm>
-          <a:prstGeom prst="rect">
-            <a:avLst/>
-          </a:prstGeom>
-          <a:blipFill>
-            <a:blip r:embed="rId2"/>
-            <a:stretch>
-              <a:fillRect/>
-            </a:stretch>
-          </a:blipFill>
-          <a:ln>
-            <a:noFill/>
-          </a:ln>
-          <a:effectLst>
-            <a:outerShdw blurRad="63500" sx="102000" sy="102000" algn="ctr" rotWithShape="0">
-              <a:prstClr val="black">
-                <a:alpha val="40000"/>
-              </a:prstClr>
-            </a:outerShdw>
-          </a:effectLst>
-        </p:spPr>
-        <p:style>
-          <a:lnRef idx="2">
-            <a:schemeClr val="accent1">
-              <a:shade val="50000"/>
-            </a:schemeClr>
-          </a:lnRef>
-          <a:fillRef idx="1">
-            <a:schemeClr val="accent1"/>
-          </a:fillRef>
-          <a:effectRef idx="0">
-            <a:schemeClr val="accent1"/>
-          </a:effectRef>
-          <a:fontRef idx="minor">
-            <a:schemeClr val="lt1"/>
-          </a:fontRef>
-        </p:style>
-        <p:txBody>
-          <a:bodyPr rtlCol="0" anchor="ctr"/>
-          <a:lstStyle/>
-          <a:p>
-            <a:pPr algn="ctr"/>
-            <a:endParaRPr lang="ko-KR" altLang="en-US"/>
-          </a:p>
-        </p:txBody>
-      </p:sp>
-    </p:spTree>
-    <p:extLst>
-      <p:ext uri="{BB962C8B-B14F-4D97-AF65-F5344CB8AC3E}">
-        <p14:creationId xmlns:p14="http://schemas.microsoft.com/office/powerpoint/2010/main" val="2905068071"/>
-      </p:ext>
-    </p:extLst>
-  </p:cSld>
-  <p:clrMapOvr>
-    <a:masterClrMapping/>
-  </p:clrMapOvr>
-</p:sld>
-</file>
-
-<file path=ppt/slides/slide13.xml><?xml version="1.0" encoding="utf-8"?>
-<p:sld xmlns:a="http://schemas.openxmlformats.org/drawingml/2006/main" xmlns:r="http://schemas.openxmlformats.org/officeDocument/2006/relationships" xmlns:p="http://schemas.openxmlformats.org/presentationml/2006/main">
-  <p:cSld>
-    <p:spTree>
-      <p:nvGrpSpPr>
-        <p:cNvPr id="1" name=""/>
-        <p:cNvGrpSpPr/>
-        <p:nvPr/>
-      </p:nvGrpSpPr>
-      <p:grpSpPr>
-        <a:xfrm>
-          <a:off x="0" y="0"/>
-          <a:ext cx="0" cy="0"/>
-          <a:chOff x="0" y="0"/>
-          <a:chExt cx="0" cy="0"/>
-        </a:xfrm>
-      </p:grpSpPr>
-      <p:sp>
-        <p:nvSpPr>
-          <p:cNvPr id="2" name="제목 1">
-            <a:extLst>
-              <a:ext uri="{FF2B5EF4-FFF2-40B4-BE49-F238E27FC236}">
-                <a16:creationId xmlns:a16="http://schemas.microsoft.com/office/drawing/2014/main" id="{2356A8D1-F8F1-4FA8-9C4A-248C5E250F72}"/>
-              </a:ext>
-            </a:extLst>
-          </p:cNvPr>
-          <p:cNvSpPr>
-            <a:spLocks noGrp="1"/>
-          </p:cNvSpPr>
-          <p:nvPr>
-            <p:ph type="title"/>
-          </p:nvPr>
-        </p:nvSpPr>
-        <p:spPr/>
-        <p:txBody>
-          <a:bodyPr/>
-          <a:lstStyle/>
-          <a:p>
-            <a:r>
-              <a:rPr lang="en-US" altLang="ko-KR" dirty="0"/>
-              <a:t>12. </a:t>
-            </a:r>
-            <a:r>
-              <a:rPr lang="ko-KR" altLang="en-US" dirty="0" err="1"/>
-              <a:t>조이패드</a:t>
-            </a:r>
-            <a:r>
-              <a:rPr lang="ko-KR" altLang="en-US" dirty="0"/>
-              <a:t> 예제</a:t>
-            </a:r>
-            <a:r>
-              <a:rPr lang="en-US" altLang="ko-KR" dirty="0"/>
-              <a:t>(2)</a:t>
-            </a:r>
-            <a:endParaRPr lang="ko-KR" altLang="en-US" dirty="0"/>
-          </a:p>
-        </p:txBody>
-      </p:sp>
-      <p:sp>
-        <p:nvSpPr>
-          <p:cNvPr id="4" name="슬라이드 번호 개체 틀 3">
-            <a:extLst>
-              <a:ext uri="{FF2B5EF4-FFF2-40B4-BE49-F238E27FC236}">
-                <a16:creationId xmlns:a16="http://schemas.microsoft.com/office/drawing/2014/main" id="{44D11353-19BC-1C73-B83E-B3CBA218BEDA}"/>
-              </a:ext>
-            </a:extLst>
-          </p:cNvPr>
-          <p:cNvSpPr>
-            <a:spLocks noGrp="1"/>
-          </p:cNvSpPr>
-          <p:nvPr>
-            <p:ph type="sldNum" sz="quarter" idx="12"/>
-          </p:nvPr>
-        </p:nvSpPr>
-        <p:spPr/>
-        <p:txBody>
-          <a:bodyPr/>
-          <a:lstStyle/>
-          <a:p>
-            <a:fld id="{2F00E46C-ED49-42AD-BB6D-7499E1F08A71}" type="slidenum">
-              <a:rPr lang="ko-KR" altLang="en-US" smtClean="0"/>
-              <a:t>13</a:t>
-            </a:fld>
-            <a:endParaRPr lang="ko-KR" altLang="en-US"/>
-          </a:p>
-        </p:txBody>
-      </p:sp>
-      <p:sp>
-        <p:nvSpPr>
-          <p:cNvPr id="5" name="직사각형 4">
-            <a:extLst>
-              <a:ext uri="{FF2B5EF4-FFF2-40B4-BE49-F238E27FC236}">
-                <a16:creationId xmlns:a16="http://schemas.microsoft.com/office/drawing/2014/main" id="{BB11CF1D-FCA5-BCCA-306F-2938D320E155}"/>
-              </a:ext>
-            </a:extLst>
-          </p:cNvPr>
-          <p:cNvSpPr/>
-          <p:nvPr/>
-        </p:nvSpPr>
-        <p:spPr>
-          <a:xfrm>
-            <a:off x="3141524" y="977152"/>
-            <a:ext cx="2873794" cy="5880847"/>
-          </a:xfrm>
-          <a:prstGeom prst="rect">
-            <a:avLst/>
-          </a:prstGeom>
-          <a:blipFill>
-            <a:blip r:embed="rId2"/>
-            <a:stretch>
-              <a:fillRect/>
-            </a:stretch>
-          </a:blipFill>
-          <a:ln>
-            <a:noFill/>
-          </a:ln>
-          <a:effectLst>
-            <a:outerShdw blurRad="63500" sx="102000" sy="102000" algn="ctr" rotWithShape="0">
-              <a:prstClr val="black">
-                <a:alpha val="40000"/>
-              </a:prstClr>
-            </a:outerShdw>
-          </a:effectLst>
-        </p:spPr>
-        <p:style>
-          <a:lnRef idx="2">
-            <a:schemeClr val="accent1">
-              <a:shade val="50000"/>
-            </a:schemeClr>
-          </a:lnRef>
-          <a:fillRef idx="1">
-            <a:schemeClr val="accent1"/>
-          </a:fillRef>
-          <a:effectRef idx="0">
-            <a:schemeClr val="accent1"/>
-          </a:effectRef>
-          <a:fontRef idx="minor">
-            <a:schemeClr val="lt1"/>
-          </a:fontRef>
-        </p:style>
-        <p:txBody>
-          <a:bodyPr rtlCol="0" anchor="ctr"/>
-          <a:lstStyle/>
-          <a:p>
-            <a:pPr algn="ctr"/>
-            <a:endParaRPr lang="ko-KR" altLang="en-US"/>
-          </a:p>
-        </p:txBody>
-      </p:sp>
-    </p:spTree>
-    <p:extLst>
-      <p:ext uri="{BB962C8B-B14F-4D97-AF65-F5344CB8AC3E}">
-        <p14:creationId xmlns:p14="http://schemas.microsoft.com/office/powerpoint/2010/main" val="1935762384"/>
-      </p:ext>
-    </p:extLst>
-  </p:cSld>
-  <p:clrMapOvr>
-    <a:masterClrMapping/>
-  </p:clrMapOvr>
-</p:sld>
-</file>
-
-<file path=ppt/slides/slide2.xml><?xml version="1.0" encoding="utf-8"?>
-<p:sld xmlns:a="http://schemas.openxmlformats.org/drawingml/2006/main" xmlns:r="http://schemas.openxmlformats.org/officeDocument/2006/relationships" xmlns:p="http://schemas.openxmlformats.org/presentationml/2006/main">
-  <p:cSld>
-    <p:spTree>
-      <p:nvGrpSpPr>
-        <p:cNvPr id="1" name=""/>
-        <p:cNvGrpSpPr/>
-        <p:nvPr/>
-      </p:nvGrpSpPr>
-      <p:grpSpPr>
-        <a:xfrm>
-          <a:off x="0" y="0"/>
-          <a:ext cx="0" cy="0"/>
-          <a:chOff x="0" y="0"/>
-          <a:chExt cx="0" cy="0"/>
-        </a:xfrm>
-      </p:grpSpPr>
-      <p:sp>
-        <p:nvSpPr>
-          <p:cNvPr id="2" name="제목 1">
-            <a:extLst>
-              <a:ext uri="{FF2B5EF4-FFF2-40B4-BE49-F238E27FC236}">
-                <a16:creationId xmlns:a16="http://schemas.microsoft.com/office/drawing/2014/main" id="{9E8422DA-4CA3-84BC-155D-F25365A2D164}"/>
-              </a:ext>
-            </a:extLst>
-          </p:cNvPr>
-          <p:cNvSpPr>
-            <a:spLocks noGrp="1"/>
-          </p:cNvSpPr>
-          <p:nvPr>
-            <p:ph type="title"/>
-          </p:nvPr>
-        </p:nvSpPr>
-        <p:spPr/>
-        <p:txBody>
-          <a:bodyPr/>
-          <a:lstStyle/>
-          <a:p>
-            <a:r>
-              <a:rPr lang="en-US" altLang="ko-KR" dirty="0"/>
-              <a:t>1. </a:t>
-            </a:r>
-            <a:r>
-              <a:rPr lang="ko-KR" altLang="en-US" dirty="0" err="1"/>
-              <a:t>홈화면</a:t>
-            </a:r>
-            <a:endParaRPr lang="ko-KR" altLang="en-US" dirty="0"/>
-          </a:p>
-        </p:txBody>
-      </p:sp>
-      <p:sp>
-        <p:nvSpPr>
-          <p:cNvPr id="4" name="슬라이드 번호 개체 틀 3">
-            <a:extLst>
-              <a:ext uri="{FF2B5EF4-FFF2-40B4-BE49-F238E27FC236}">
-                <a16:creationId xmlns:a16="http://schemas.microsoft.com/office/drawing/2014/main" id="{144E874E-9C4F-B19B-1A6E-105B641D929F}"/>
-              </a:ext>
-            </a:extLst>
-          </p:cNvPr>
-          <p:cNvSpPr>
-            <a:spLocks noGrp="1"/>
-          </p:cNvSpPr>
-          <p:nvPr>
-            <p:ph type="sldNum" sz="quarter" idx="12"/>
-          </p:nvPr>
-        </p:nvSpPr>
-        <p:spPr/>
-        <p:txBody>
-          <a:bodyPr/>
-          <a:lstStyle/>
-          <a:p>
-            <a:fld id="{2F00E46C-ED49-42AD-BB6D-7499E1F08A71}" type="slidenum">
-              <a:rPr lang="ko-KR" altLang="en-US" smtClean="0"/>
-              <a:t>2</a:t>
-            </a:fld>
-            <a:endParaRPr lang="ko-KR" altLang="en-US"/>
-          </a:p>
-        </p:txBody>
-      </p:sp>
-      <p:sp>
-        <p:nvSpPr>
-          <p:cNvPr id="10" name="직사각형 9">
-            <a:extLst>
-              <a:ext uri="{FF2B5EF4-FFF2-40B4-BE49-F238E27FC236}">
-                <a16:creationId xmlns:a16="http://schemas.microsoft.com/office/drawing/2014/main" id="{0F65E4F2-EA6F-4607-E4D4-561BF2BE023B}"/>
-              </a:ext>
-            </a:extLst>
-          </p:cNvPr>
-          <p:cNvSpPr/>
-          <p:nvPr/>
-        </p:nvSpPr>
-        <p:spPr>
-          <a:xfrm>
-            <a:off x="3141524" y="977152"/>
-            <a:ext cx="2873794" cy="5880847"/>
-          </a:xfrm>
-          <a:prstGeom prst="rect">
-            <a:avLst/>
-          </a:prstGeom>
-          <a:blipFill>
-            <a:blip r:embed="rId2"/>
-            <a:stretch>
-              <a:fillRect/>
-            </a:stretch>
-          </a:blipFill>
-          <a:ln>
-            <a:noFill/>
-          </a:ln>
-          <a:effectLst>
-            <a:outerShdw blurRad="63500" sx="102000" sy="102000" algn="ctr" rotWithShape="0">
-              <a:prstClr val="black">
-                <a:alpha val="40000"/>
-              </a:prstClr>
-            </a:outerShdw>
-          </a:effectLst>
-        </p:spPr>
-        <p:style>
-          <a:lnRef idx="2">
-            <a:schemeClr val="accent1">
-              <a:shade val="50000"/>
-            </a:schemeClr>
-          </a:lnRef>
-          <a:fillRef idx="1">
-            <a:schemeClr val="accent1"/>
-          </a:fillRef>
-          <a:effectRef idx="0">
-            <a:schemeClr val="accent1"/>
-          </a:effectRef>
-          <a:fontRef idx="minor">
-            <a:schemeClr val="lt1"/>
-          </a:fontRef>
-        </p:style>
-        <p:txBody>
-          <a:bodyPr rtlCol="0" anchor="ctr"/>
-          <a:lstStyle/>
-          <a:p>
-            <a:pPr algn="ctr"/>
-            <a:endParaRPr lang="ko-KR" altLang="en-US"/>
-          </a:p>
-        </p:txBody>
-      </p:sp>
-    </p:spTree>
-    <p:extLst>
-      <p:ext uri="{BB962C8B-B14F-4D97-AF65-F5344CB8AC3E}">
-        <p14:creationId xmlns:p14="http://schemas.microsoft.com/office/powerpoint/2010/main" val="2941327521"/>
-      </p:ext>
-    </p:extLst>
-  </p:cSld>
-  <p:clrMapOvr>
-    <a:masterClrMapping/>
-  </p:clrMapOvr>
-</p:sld>
-</file>
-
-<file path=ppt/slides/slide3.xml><?xml version="1.0" encoding="utf-8"?>
-<p:sld xmlns:a="http://schemas.openxmlformats.org/drawingml/2006/main" xmlns:r="http://schemas.openxmlformats.org/officeDocument/2006/relationships" xmlns:p="http://schemas.openxmlformats.org/presentationml/2006/main">
-  <p:cSld>
-    <p:spTree>
-      <p:nvGrpSpPr>
-        <p:cNvPr id="1" name=""/>
-        <p:cNvGrpSpPr/>
-        <p:nvPr/>
-      </p:nvGrpSpPr>
-      <p:grpSpPr>
-        <a:xfrm>
-          <a:off x="0" y="0"/>
-          <a:ext cx="0" cy="0"/>
-          <a:chOff x="0" y="0"/>
-          <a:chExt cx="0" cy="0"/>
-        </a:xfrm>
-      </p:grpSpPr>
-      <p:sp>
-        <p:nvSpPr>
-          <p:cNvPr id="2" name="제목 1">
-            <a:extLst>
-              <a:ext uri="{FF2B5EF4-FFF2-40B4-BE49-F238E27FC236}">
-                <a16:creationId xmlns:a16="http://schemas.microsoft.com/office/drawing/2014/main" id="{9E8422DA-4CA3-84BC-155D-F25365A2D164}"/>
-              </a:ext>
-            </a:extLst>
-          </p:cNvPr>
-          <p:cNvSpPr>
-            <a:spLocks noGrp="1"/>
-          </p:cNvSpPr>
-          <p:nvPr>
-            <p:ph type="title"/>
-          </p:nvPr>
-        </p:nvSpPr>
-        <p:spPr/>
-        <p:txBody>
-          <a:bodyPr/>
-          <a:lstStyle/>
-          <a:p>
-            <a:r>
-              <a:rPr lang="en-US" altLang="ko-KR" dirty="0"/>
-              <a:t>2. </a:t>
-            </a:r>
-            <a:r>
-              <a:rPr lang="ko-KR" altLang="en-US" dirty="0"/>
-              <a:t>폴더 설정 화면</a:t>
-            </a:r>
-          </a:p>
-        </p:txBody>
-      </p:sp>
-      <p:sp>
-        <p:nvSpPr>
-          <p:cNvPr id="4" name="슬라이드 번호 개체 틀 3">
-            <a:extLst>
-              <a:ext uri="{FF2B5EF4-FFF2-40B4-BE49-F238E27FC236}">
-                <a16:creationId xmlns:a16="http://schemas.microsoft.com/office/drawing/2014/main" id="{144E874E-9C4F-B19B-1A6E-105B641D929F}"/>
-              </a:ext>
-            </a:extLst>
-          </p:cNvPr>
-          <p:cNvSpPr>
-            <a:spLocks noGrp="1"/>
-          </p:cNvSpPr>
-          <p:nvPr>
-            <p:ph type="sldNum" sz="quarter" idx="12"/>
-          </p:nvPr>
-        </p:nvSpPr>
-        <p:spPr/>
-        <p:txBody>
-          <a:bodyPr/>
-          <a:lstStyle/>
-          <a:p>
-            <a:fld id="{2F00E46C-ED49-42AD-BB6D-7499E1F08A71}" type="slidenum">
-              <a:rPr lang="ko-KR" altLang="en-US" smtClean="0"/>
-              <a:t>3</a:t>
-            </a:fld>
-            <a:endParaRPr lang="ko-KR" altLang="en-US"/>
-          </a:p>
-        </p:txBody>
-      </p:sp>
-      <p:sp>
-        <p:nvSpPr>
-          <p:cNvPr id="10" name="직사각형 9">
-            <a:extLst>
-              <a:ext uri="{FF2B5EF4-FFF2-40B4-BE49-F238E27FC236}">
-                <a16:creationId xmlns:a16="http://schemas.microsoft.com/office/drawing/2014/main" id="{0F65E4F2-EA6F-4607-E4D4-561BF2BE023B}"/>
-              </a:ext>
-            </a:extLst>
-          </p:cNvPr>
-          <p:cNvSpPr/>
-          <p:nvPr/>
-        </p:nvSpPr>
-        <p:spPr>
-          <a:xfrm>
-            <a:off x="3141524" y="977152"/>
-            <a:ext cx="2873794" cy="5880847"/>
-          </a:xfrm>
-          <a:prstGeom prst="rect">
-            <a:avLst/>
-          </a:prstGeom>
-          <a:blipFill>
-            <a:blip r:embed="rId2"/>
-            <a:stretch>
-              <a:fillRect/>
-            </a:stretch>
-          </a:blipFill>
-          <a:ln>
-            <a:noFill/>
-          </a:ln>
-          <a:effectLst>
-            <a:outerShdw blurRad="63500" sx="102000" sy="102000" algn="ctr" rotWithShape="0">
-              <a:prstClr val="black">
-                <a:alpha val="40000"/>
-              </a:prstClr>
-            </a:outerShdw>
-          </a:effectLst>
-        </p:spPr>
-        <p:style>
-          <a:lnRef idx="2">
-            <a:schemeClr val="accent1">
-              <a:shade val="50000"/>
-            </a:schemeClr>
-          </a:lnRef>
-          <a:fillRef idx="1">
-            <a:schemeClr val="accent1"/>
-          </a:fillRef>
-          <a:effectRef idx="0">
-            <a:schemeClr val="accent1"/>
-          </a:effectRef>
-          <a:fontRef idx="minor">
-            <a:schemeClr val="lt1"/>
-          </a:fontRef>
-        </p:style>
-        <p:txBody>
-          <a:bodyPr rtlCol="0" anchor="ctr"/>
-          <a:lstStyle/>
-          <a:p>
-            <a:pPr algn="ctr"/>
-            <a:endParaRPr lang="ko-KR" altLang="en-US"/>
-          </a:p>
-        </p:txBody>
-      </p:sp>
-    </p:spTree>
-    <p:extLst>
-      <p:ext uri="{BB962C8B-B14F-4D97-AF65-F5344CB8AC3E}">
-        <p14:creationId xmlns:p14="http://schemas.microsoft.com/office/powerpoint/2010/main" val="2226861948"/>
-      </p:ext>
-    </p:extLst>
-  </p:cSld>
-  <p:clrMapOvr>
-    <a:masterClrMapping/>
-  </p:clrMapOvr>
-</p:sld>
-</file>
-
-<file path=ppt/slides/slide4.xml><?xml version="1.0" encoding="utf-8"?>
-<p:sld xmlns:a="http://schemas.openxmlformats.org/drawingml/2006/main" xmlns:r="http://schemas.openxmlformats.org/officeDocument/2006/relationships" xmlns:p="http://schemas.openxmlformats.org/presentationml/2006/main">
-  <p:cSld>
-    <p:spTree>
-      <p:nvGrpSpPr>
-        <p:cNvPr id="1" name=""/>
-        <p:cNvGrpSpPr/>
-        <p:nvPr/>
-      </p:nvGrpSpPr>
-      <p:grpSpPr>
-        <a:xfrm>
-          <a:off x="0" y="0"/>
-          <a:ext cx="0" cy="0"/>
-          <a:chOff x="0" y="0"/>
-          <a:chExt cx="0" cy="0"/>
-        </a:xfrm>
-      </p:grpSpPr>
-      <p:sp>
-        <p:nvSpPr>
-          <p:cNvPr id="2" name="제목 1">
-            <a:extLst>
-              <a:ext uri="{FF2B5EF4-FFF2-40B4-BE49-F238E27FC236}">
-                <a16:creationId xmlns:a16="http://schemas.microsoft.com/office/drawing/2014/main" id="{9E8422DA-4CA3-84BC-155D-F25365A2D164}"/>
-              </a:ext>
-            </a:extLst>
-          </p:cNvPr>
-          <p:cNvSpPr>
-            <a:spLocks noGrp="1"/>
-          </p:cNvSpPr>
-          <p:nvPr>
-            <p:ph type="title"/>
-          </p:nvPr>
-        </p:nvSpPr>
-        <p:spPr/>
-        <p:txBody>
-          <a:bodyPr/>
-          <a:lstStyle/>
-          <a:p>
-            <a:r>
-              <a:rPr lang="en-US" altLang="ko-KR" dirty="0"/>
-              <a:t>3. </a:t>
-            </a:r>
-            <a:r>
-              <a:rPr lang="ko-KR" altLang="en-US" dirty="0"/>
-              <a:t>파일을 저장할 폴더 생성</a:t>
-            </a:r>
-          </a:p>
-        </p:txBody>
-      </p:sp>
-      <p:sp>
-        <p:nvSpPr>
-          <p:cNvPr id="4" name="슬라이드 번호 개체 틀 3">
-            <a:extLst>
-              <a:ext uri="{FF2B5EF4-FFF2-40B4-BE49-F238E27FC236}">
-                <a16:creationId xmlns:a16="http://schemas.microsoft.com/office/drawing/2014/main" id="{144E874E-9C4F-B19B-1A6E-105B641D929F}"/>
-              </a:ext>
-            </a:extLst>
-          </p:cNvPr>
-          <p:cNvSpPr>
-            <a:spLocks noGrp="1"/>
-          </p:cNvSpPr>
-          <p:nvPr>
-            <p:ph type="sldNum" sz="quarter" idx="12"/>
-          </p:nvPr>
-        </p:nvSpPr>
-        <p:spPr/>
-        <p:txBody>
-          <a:bodyPr/>
-          <a:lstStyle/>
-          <a:p>
-            <a:fld id="{2F00E46C-ED49-42AD-BB6D-7499E1F08A71}" type="slidenum">
-              <a:rPr lang="ko-KR" altLang="en-US" smtClean="0"/>
-              <a:t>4</a:t>
-            </a:fld>
-            <a:endParaRPr lang="ko-KR" altLang="en-US"/>
-          </a:p>
-        </p:txBody>
-      </p:sp>
-      <p:sp>
-        <p:nvSpPr>
-          <p:cNvPr id="10" name="직사각형 9">
-            <a:extLst>
-              <a:ext uri="{FF2B5EF4-FFF2-40B4-BE49-F238E27FC236}">
-                <a16:creationId xmlns:a16="http://schemas.microsoft.com/office/drawing/2014/main" id="{0F65E4F2-EA6F-4607-E4D4-561BF2BE023B}"/>
-              </a:ext>
-            </a:extLst>
-          </p:cNvPr>
-          <p:cNvSpPr/>
-          <p:nvPr/>
-        </p:nvSpPr>
-        <p:spPr>
-          <a:xfrm>
-            <a:off x="3141524" y="977152"/>
-            <a:ext cx="2873794" cy="5880847"/>
-          </a:xfrm>
-          <a:prstGeom prst="rect">
-            <a:avLst/>
-          </a:prstGeom>
-          <a:blipFill>
-            <a:blip r:embed="rId2"/>
-            <a:stretch>
-              <a:fillRect/>
-            </a:stretch>
-          </a:blipFill>
-          <a:ln>
-            <a:noFill/>
-          </a:ln>
-          <a:effectLst>
-            <a:outerShdw blurRad="63500" sx="102000" sy="102000" algn="ctr" rotWithShape="0">
-              <a:prstClr val="black">
-                <a:alpha val="40000"/>
-              </a:prstClr>
-            </a:outerShdw>
-          </a:effectLst>
-        </p:spPr>
-        <p:style>
-          <a:lnRef idx="2">
-            <a:schemeClr val="accent1">
-              <a:shade val="50000"/>
-            </a:schemeClr>
-          </a:lnRef>
-          <a:fillRef idx="1">
-            <a:schemeClr val="accent1"/>
-          </a:fillRef>
-          <a:effectRef idx="0">
-            <a:schemeClr val="accent1"/>
-          </a:effectRef>
-          <a:fontRef idx="minor">
-            <a:schemeClr val="lt1"/>
-          </a:fontRef>
-        </p:style>
-        <p:txBody>
-          <a:bodyPr rtlCol="0" anchor="ctr"/>
-          <a:lstStyle/>
-          <a:p>
-            <a:pPr algn="ctr"/>
-            <a:endParaRPr lang="ko-KR" altLang="en-US"/>
-          </a:p>
-        </p:txBody>
-      </p:sp>
-    </p:spTree>
-    <p:extLst>
-      <p:ext uri="{BB962C8B-B14F-4D97-AF65-F5344CB8AC3E}">
-        <p14:creationId xmlns:p14="http://schemas.microsoft.com/office/powerpoint/2010/main" val="2729413826"/>
-      </p:ext>
-    </p:extLst>
-  </p:cSld>
-  <p:clrMapOvr>
-    <a:masterClrMapping/>
-  </p:clrMapOvr>
-</p:sld>
-</file>
-
-<file path=ppt/slides/slide5.xml><?xml version="1.0" encoding="utf-8"?>
-<p:sld xmlns:a="http://schemas.openxmlformats.org/drawingml/2006/main" xmlns:r="http://schemas.openxmlformats.org/officeDocument/2006/relationships" xmlns:p="http://schemas.openxmlformats.org/presentationml/2006/main">
-  <p:cSld>
-    <p:spTree>
-      <p:nvGrpSpPr>
-        <p:cNvPr id="1" name=""/>
-        <p:cNvGrpSpPr/>
-        <p:nvPr/>
-      </p:nvGrpSpPr>
-      <p:grpSpPr>
-        <a:xfrm>
-          <a:off x="0" y="0"/>
-          <a:ext cx="0" cy="0"/>
-          <a:chOff x="0" y="0"/>
-          <a:chExt cx="0" cy="0"/>
-        </a:xfrm>
-      </p:grpSpPr>
-      <p:sp>
-        <p:nvSpPr>
-          <p:cNvPr id="2" name="제목 1">
-            <a:extLst>
-              <a:ext uri="{FF2B5EF4-FFF2-40B4-BE49-F238E27FC236}">
-                <a16:creationId xmlns:a16="http://schemas.microsoft.com/office/drawing/2014/main" id="{9E8422DA-4CA3-84BC-155D-F25365A2D164}"/>
-              </a:ext>
-            </a:extLst>
-          </p:cNvPr>
-          <p:cNvSpPr>
-            <a:spLocks noGrp="1"/>
-          </p:cNvSpPr>
-          <p:nvPr>
-            <p:ph type="title"/>
-          </p:nvPr>
-        </p:nvSpPr>
-        <p:spPr/>
-        <p:txBody>
-          <a:bodyPr/>
-          <a:lstStyle/>
-          <a:p>
-            <a:r>
-              <a:rPr lang="en-US" altLang="ko-KR" dirty="0"/>
-              <a:t>4. </a:t>
-            </a:r>
-            <a:r>
-              <a:rPr lang="ko-KR" altLang="en-US" dirty="0"/>
-              <a:t>폴더가 생성되었는 지 확인</a:t>
-            </a:r>
-          </a:p>
-        </p:txBody>
-      </p:sp>
-      <p:sp>
-        <p:nvSpPr>
-          <p:cNvPr id="4" name="슬라이드 번호 개체 틀 3">
-            <a:extLst>
-              <a:ext uri="{FF2B5EF4-FFF2-40B4-BE49-F238E27FC236}">
-                <a16:creationId xmlns:a16="http://schemas.microsoft.com/office/drawing/2014/main" id="{144E874E-9C4F-B19B-1A6E-105B641D929F}"/>
-              </a:ext>
-            </a:extLst>
-          </p:cNvPr>
-          <p:cNvSpPr>
-            <a:spLocks noGrp="1"/>
-          </p:cNvSpPr>
-          <p:nvPr>
-            <p:ph type="sldNum" sz="quarter" idx="12"/>
-          </p:nvPr>
-        </p:nvSpPr>
-        <p:spPr/>
-        <p:txBody>
-          <a:bodyPr/>
-          <a:lstStyle/>
-          <a:p>
-            <a:fld id="{2F00E46C-ED49-42AD-BB6D-7499E1F08A71}" type="slidenum">
-              <a:rPr lang="ko-KR" altLang="en-US" smtClean="0"/>
-              <a:t>5</a:t>
-            </a:fld>
-            <a:endParaRPr lang="ko-KR" altLang="en-US"/>
-          </a:p>
-        </p:txBody>
-      </p:sp>
-      <p:sp>
-        <p:nvSpPr>
-          <p:cNvPr id="10" name="직사각형 9">
-            <a:extLst>
-              <a:ext uri="{FF2B5EF4-FFF2-40B4-BE49-F238E27FC236}">
-                <a16:creationId xmlns:a16="http://schemas.microsoft.com/office/drawing/2014/main" id="{0F65E4F2-EA6F-4607-E4D4-561BF2BE023B}"/>
-              </a:ext>
-            </a:extLst>
-          </p:cNvPr>
-          <p:cNvSpPr/>
-          <p:nvPr/>
-        </p:nvSpPr>
-        <p:spPr>
-          <a:xfrm>
-            <a:off x="3141524" y="977152"/>
-            <a:ext cx="2873794" cy="5880847"/>
-          </a:xfrm>
-          <a:prstGeom prst="rect">
-            <a:avLst/>
-          </a:prstGeom>
-          <a:blipFill>
-            <a:blip r:embed="rId2"/>
-            <a:stretch>
-              <a:fillRect/>
-            </a:stretch>
-          </a:blipFill>
-          <a:ln>
-            <a:noFill/>
-          </a:ln>
-          <a:effectLst>
-            <a:outerShdw blurRad="63500" sx="102000" sy="102000" algn="ctr" rotWithShape="0">
-              <a:prstClr val="black">
-                <a:alpha val="40000"/>
-              </a:prstClr>
-            </a:outerShdw>
-          </a:effectLst>
-        </p:spPr>
-        <p:style>
-          <a:lnRef idx="2">
-            <a:schemeClr val="accent1">
-              <a:shade val="50000"/>
-            </a:schemeClr>
-          </a:lnRef>
-          <a:fillRef idx="1">
-            <a:schemeClr val="accent1"/>
-          </a:fillRef>
-          <a:effectRef idx="0">
-            <a:schemeClr val="accent1"/>
-          </a:effectRef>
-          <a:fontRef idx="minor">
-            <a:schemeClr val="lt1"/>
-          </a:fontRef>
-        </p:style>
-        <p:txBody>
-          <a:bodyPr rtlCol="0" anchor="ctr"/>
-          <a:lstStyle/>
-          <a:p>
-            <a:pPr algn="ctr"/>
-            <a:endParaRPr lang="ko-KR" altLang="en-US"/>
-          </a:p>
-        </p:txBody>
-      </p:sp>
-    </p:spTree>
-    <p:extLst>
-      <p:ext uri="{BB962C8B-B14F-4D97-AF65-F5344CB8AC3E}">
-        <p14:creationId xmlns:p14="http://schemas.microsoft.com/office/powerpoint/2010/main" val="2007061978"/>
       </p:ext>
     </p:extLst>
   </p:cSld>
@@ -5737,7 +5928,7 @@
           <p:cNvPr id="2" name="제목 1">
             <a:extLst>
               <a:ext uri="{FF2B5EF4-FFF2-40B4-BE49-F238E27FC236}">
-                <a16:creationId xmlns:a16="http://schemas.microsoft.com/office/drawing/2014/main" id="{9E8422DA-4CA3-84BC-155D-F25365A2D164}"/>
+                <a16:creationId xmlns:a16="http://schemas.microsoft.com/office/drawing/2014/main" id="{74796B21-BAB4-5CFF-2FC5-63E0F1624D60}"/>
               </a:ext>
             </a:extLst>
           </p:cNvPr>
@@ -5755,11 +5946,23 @@
           <a:p>
             <a:r>
               <a:rPr lang="en-US" altLang="ko-KR" dirty="0"/>
-              <a:t>5. </a:t>
+              <a:t>9</a:t>
             </a:r>
             <a:r>
               <a:rPr lang="ko-KR" altLang="en-US" dirty="0"/>
-              <a:t>녹음 화면에서 녹음 시작</a:t>
+              <a:t>주차 </a:t>
+            </a:r>
+            <a:r>
+              <a:rPr lang="en-US" altLang="ko-KR" dirty="0"/>
+              <a:t>: </a:t>
+            </a:r>
+            <a:r>
+              <a:rPr lang="ko-KR" altLang="en-US" dirty="0" err="1"/>
+              <a:t>조이패드</a:t>
+            </a:r>
+            <a:r>
+              <a:rPr lang="ko-KR" altLang="en-US" dirty="0"/>
+              <a:t> 구현 시도</a:t>
             </a:r>
           </a:p>
         </p:txBody>
@@ -5769,7 +5972,7 @@
           <p:cNvPr id="4" name="슬라이드 번호 개체 틀 3">
             <a:extLst>
               <a:ext uri="{FF2B5EF4-FFF2-40B4-BE49-F238E27FC236}">
-                <a16:creationId xmlns:a16="http://schemas.microsoft.com/office/drawing/2014/main" id="{144E874E-9C4F-B19B-1A6E-105B641D929F}"/>
+                <a16:creationId xmlns:a16="http://schemas.microsoft.com/office/drawing/2014/main" id="{4B819B50-84A2-2443-07AE-9CB954E0A075}"/>
               </a:ext>
             </a:extLst>
           </p:cNvPr>
@@ -5795,10 +5998,10 @@
       </p:sp>
       <p:grpSp>
         <p:nvGrpSpPr>
-          <p:cNvPr id="5" name="그룹 4">
+          <p:cNvPr id="13" name="그룹 12">
             <a:extLst>
               <a:ext uri="{FF2B5EF4-FFF2-40B4-BE49-F238E27FC236}">
-                <a16:creationId xmlns:a16="http://schemas.microsoft.com/office/drawing/2014/main" id="{85E18D06-240C-D101-3209-6E24B9FE11BE}"/>
+                <a16:creationId xmlns:a16="http://schemas.microsoft.com/office/drawing/2014/main" id="{74D14838-EF04-6D40-1E6D-266A4CE2BBCC}"/>
               </a:ext>
             </a:extLst>
           </p:cNvPr>
@@ -5807,18 +6010,18 @@
         </p:nvGrpSpPr>
         <p:grpSpPr>
           <a:xfrm>
-            <a:off x="1248032" y="977152"/>
-            <a:ext cx="6647935" cy="5880848"/>
-            <a:chOff x="3141524" y="977151"/>
-            <a:chExt cx="6647935" cy="5880848"/>
+            <a:off x="2405278" y="1238884"/>
+            <a:ext cx="4330679" cy="3828526"/>
+            <a:chOff x="2405278" y="1238884"/>
+            <a:chExt cx="4330679" cy="3828526"/>
           </a:xfrm>
         </p:grpSpPr>
         <p:sp>
           <p:nvSpPr>
-            <p:cNvPr id="10" name="직사각형 9">
+            <p:cNvPr id="14" name="직사각형 13">
               <a:extLst>
                 <a:ext uri="{FF2B5EF4-FFF2-40B4-BE49-F238E27FC236}">
-                  <a16:creationId xmlns:a16="http://schemas.microsoft.com/office/drawing/2014/main" id="{0F65E4F2-EA6F-4607-E4D4-561BF2BE023B}"/>
+                  <a16:creationId xmlns:a16="http://schemas.microsoft.com/office/drawing/2014/main" id="{3DCEEE27-8DFA-176C-1E2A-6702F7036164}"/>
                 </a:ext>
               </a:extLst>
             </p:cNvPr>
@@ -5827,8 +6030,8 @@
           </p:nvSpPr>
           <p:spPr>
             <a:xfrm>
-              <a:off x="3141524" y="977152"/>
-              <a:ext cx="2873794" cy="5880847"/>
+              <a:off x="2405278" y="1238884"/>
+              <a:ext cx="1870887" cy="3828526"/>
             </a:xfrm>
             <a:prstGeom prst="rect">
               <a:avLst/>
@@ -5877,10 +6080,10 @@
         </p:sp>
         <p:sp>
           <p:nvSpPr>
-            <p:cNvPr id="3" name="직사각형 2">
+            <p:cNvPr id="15" name="직사각형 14">
               <a:extLst>
                 <a:ext uri="{FF2B5EF4-FFF2-40B4-BE49-F238E27FC236}">
-                  <a16:creationId xmlns:a16="http://schemas.microsoft.com/office/drawing/2014/main" id="{F4945F00-D728-1C5A-8E40-06855ADAB3A8}"/>
+                  <a16:creationId xmlns:a16="http://schemas.microsoft.com/office/drawing/2014/main" id="{EFC1D3A2-FE7C-5637-2779-C9F742736DB3}"/>
                 </a:ext>
               </a:extLst>
             </p:cNvPr>
@@ -5889,8 +6092,8 @@
           </p:nvSpPr>
           <p:spPr>
             <a:xfrm>
-              <a:off x="6915665" y="977151"/>
-              <a:ext cx="2873794" cy="5880847"/>
+              <a:off x="4865070" y="1238884"/>
+              <a:ext cx="1870887" cy="3828526"/>
             </a:xfrm>
             <a:prstGeom prst="rect">
               <a:avLst/>
@@ -5940,60 +6143,94 @@
       </p:grpSp>
       <p:sp>
         <p:nvSpPr>
-          <p:cNvPr id="6" name="화살표: 오른쪽 5">
+          <p:cNvPr id="16" name="TextBox 15">
             <a:extLst>
               <a:ext uri="{FF2B5EF4-FFF2-40B4-BE49-F238E27FC236}">
-                <a16:creationId xmlns:a16="http://schemas.microsoft.com/office/drawing/2014/main" id="{96B27783-9D75-78D3-121B-F2851C9AB9CB}"/>
+                <a16:creationId xmlns:a16="http://schemas.microsoft.com/office/drawing/2014/main" id="{A06760EF-5F86-2FFA-31F1-7369AF620529}"/>
               </a:ext>
             </a:extLst>
           </p:cNvPr>
-          <p:cNvSpPr/>
+          <p:cNvSpPr txBox="1"/>
           <p:nvPr/>
         </p:nvSpPr>
         <p:spPr>
           <a:xfrm>
-            <a:off x="4121826" y="2832848"/>
-            <a:ext cx="978408" cy="484632"/>
+            <a:off x="1134815" y="5332651"/>
+            <a:ext cx="6874369" cy="646331"/>
           </a:xfrm>
-          <a:prstGeom prst="rightArrow">
+          <a:prstGeom prst="rect">
             <a:avLst/>
           </a:prstGeom>
-          <a:solidFill>
-            <a:srgbClr val="FF0000"/>
-          </a:solidFill>
-          <a:ln>
-            <a:noFill/>
-          </a:ln>
+          <a:noFill/>
         </p:spPr>
-        <p:style>
-          <a:lnRef idx="2">
-            <a:schemeClr val="accent1">
-              <a:shade val="50000"/>
-            </a:schemeClr>
-          </a:lnRef>
-          <a:fillRef idx="1">
-            <a:schemeClr val="accent1"/>
-          </a:fillRef>
-          <a:effectRef idx="0">
-            <a:schemeClr val="accent1"/>
-          </a:effectRef>
-          <a:fontRef idx="minor">
-            <a:schemeClr val="lt1"/>
-          </a:fontRef>
-        </p:style>
-        <p:txBody>
-          <a:bodyPr rtlCol="0" anchor="ctr"/>
-          <a:lstStyle/>
-          <a:p>
-            <a:pPr algn="ctr"/>
-            <a:endParaRPr lang="ko-KR" altLang="en-US"/>
+        <p:txBody>
+          <a:bodyPr wrap="square" rtlCol="0">
+            <a:spAutoFit/>
+          </a:bodyPr>
+          <a:lstStyle/>
+          <a:p>
+            <a:r>
+              <a:rPr lang="en-US" altLang="ko-KR" b="1" dirty="0"/>
+              <a:t> - </a:t>
+            </a:r>
+            <a:r>
+              <a:rPr lang="ko-KR" altLang="en-US" b="1" dirty="0" err="1"/>
+              <a:t>저시력자의</a:t>
+            </a:r>
+            <a:r>
+              <a:rPr lang="ko-KR" altLang="en-US" b="1" dirty="0"/>
+              <a:t> 사용성을 높이기 위해 </a:t>
+            </a:r>
+            <a:r>
+              <a:rPr lang="ko-KR" altLang="en-US" b="1" dirty="0" err="1">
+                <a:solidFill>
+                  <a:srgbClr val="FF0000"/>
+                </a:solidFill>
+              </a:rPr>
+              <a:t>조이패드</a:t>
+            </a:r>
+            <a:r>
+              <a:rPr lang="ko-KR" altLang="en-US" b="1" dirty="0"/>
+              <a:t> 구현을 시도했습니다</a:t>
+            </a:r>
+            <a:r>
+              <a:rPr lang="en-US" altLang="ko-KR" b="1" dirty="0"/>
+              <a:t>.</a:t>
+            </a:r>
+          </a:p>
+          <a:p>
+            <a:r>
+              <a:rPr lang="en-US" altLang="ko-KR" b="1" dirty="0"/>
+              <a:t> - </a:t>
+            </a:r>
+            <a:r>
+              <a:rPr lang="ko-KR" altLang="en-US" b="1" dirty="0"/>
+              <a:t>결과적으로 레이아웃을 </a:t>
+            </a:r>
+            <a:r>
+              <a:rPr lang="en-US" altLang="ko-KR" b="1" dirty="0">
+                <a:solidFill>
+                  <a:srgbClr val="FF0000"/>
+                </a:solidFill>
+              </a:rPr>
+              <a:t>Overlay</a:t>
+            </a:r>
+            <a:r>
+              <a:rPr lang="ko-KR" altLang="en-US" b="1" dirty="0"/>
+              <a:t>하지 못해 적용하지 못했습니다</a:t>
+            </a:r>
+            <a:r>
+              <a:rPr lang="en-US" altLang="ko-KR" b="1" dirty="0"/>
+              <a:t>.</a:t>
+            </a:r>
+            <a:endParaRPr lang="ko-KR" altLang="en-US" b="1" dirty="0"/>
           </a:p>
         </p:txBody>
       </p:sp>
     </p:spTree>
     <p:extLst>
       <p:ext uri="{BB962C8B-B14F-4D97-AF65-F5344CB8AC3E}">
-        <p14:creationId xmlns:p14="http://schemas.microsoft.com/office/powerpoint/2010/main" val="903013836"/>
+        <p14:creationId xmlns:p14="http://schemas.microsoft.com/office/powerpoint/2010/main" val="2905068071"/>
       </p:ext>
     </p:extLst>
   </p:cSld>
@@ -6022,42 +6259,10 @@
       </p:grpSpPr>
       <p:sp>
         <p:nvSpPr>
-          <p:cNvPr id="2" name="제목 1">
-            <a:extLst>
-              <a:ext uri="{FF2B5EF4-FFF2-40B4-BE49-F238E27FC236}">
-                <a16:creationId xmlns:a16="http://schemas.microsoft.com/office/drawing/2014/main" id="{9E8422DA-4CA3-84BC-155D-F25365A2D164}"/>
-              </a:ext>
-            </a:extLst>
-          </p:cNvPr>
-          <p:cNvSpPr>
-            <a:spLocks noGrp="1"/>
-          </p:cNvSpPr>
-          <p:nvPr>
-            <p:ph type="title"/>
-          </p:nvPr>
-        </p:nvSpPr>
-        <p:spPr/>
-        <p:txBody>
-          <a:bodyPr/>
-          <a:lstStyle/>
-          <a:p>
-            <a:r>
-              <a:rPr lang="en-US" altLang="ko-KR" dirty="0"/>
-              <a:t>7. </a:t>
-            </a:r>
-            <a:r>
-              <a:rPr lang="ko-KR" altLang="en-US" dirty="0"/>
-              <a:t>녹음 완료 후 나타나는 화면</a:t>
-            </a:r>
-          </a:p>
-        </p:txBody>
-      </p:sp>
-      <p:sp>
-        <p:nvSpPr>
           <p:cNvPr id="4" name="슬라이드 번호 개체 틀 3">
             <a:extLst>
               <a:ext uri="{FF2B5EF4-FFF2-40B4-BE49-F238E27FC236}">
-                <a16:creationId xmlns:a16="http://schemas.microsoft.com/office/drawing/2014/main" id="{144E874E-9C4F-B19B-1A6E-105B641D929F}"/>
+                <a16:creationId xmlns:a16="http://schemas.microsoft.com/office/drawing/2014/main" id="{44D11353-19BC-1C73-B83E-B3CBA218BEDA}"/>
               </a:ext>
             </a:extLst>
           </p:cNvPr>
@@ -6083,376 +6288,52 @@
       </p:sp>
       <p:sp>
         <p:nvSpPr>
-          <p:cNvPr id="10" name="직사각형 9">
+          <p:cNvPr id="6" name="제목 5">
             <a:extLst>
               <a:ext uri="{FF2B5EF4-FFF2-40B4-BE49-F238E27FC236}">
-                <a16:creationId xmlns:a16="http://schemas.microsoft.com/office/drawing/2014/main" id="{0F65E4F2-EA6F-4607-E4D4-561BF2BE023B}"/>
+                <a16:creationId xmlns:a16="http://schemas.microsoft.com/office/drawing/2014/main" id="{3567C5A4-8B20-7528-477B-63EC9F2AEEBA}"/>
               </a:ext>
             </a:extLst>
           </p:cNvPr>
-          <p:cNvSpPr/>
-          <p:nvPr/>
-        </p:nvSpPr>
-        <p:spPr>
-          <a:xfrm>
-            <a:off x="3141524" y="977152"/>
-            <a:ext cx="2873794" cy="5880847"/>
-          </a:xfrm>
-          <a:prstGeom prst="rect">
-            <a:avLst/>
-          </a:prstGeom>
-          <a:blipFill>
-            <a:blip r:embed="rId2"/>
-            <a:stretch>
-              <a:fillRect/>
-            </a:stretch>
-          </a:blipFill>
-          <a:ln>
-            <a:noFill/>
-          </a:ln>
-          <a:effectLst>
-            <a:outerShdw blurRad="63500" sx="102000" sy="102000" algn="ctr" rotWithShape="0">
-              <a:prstClr val="black">
-                <a:alpha val="40000"/>
-              </a:prstClr>
-            </a:outerShdw>
-          </a:effectLst>
-        </p:spPr>
-        <p:style>
-          <a:lnRef idx="2">
-            <a:schemeClr val="accent1">
-              <a:shade val="50000"/>
-            </a:schemeClr>
-          </a:lnRef>
-          <a:fillRef idx="1">
-            <a:schemeClr val="accent1"/>
-          </a:fillRef>
-          <a:effectRef idx="0">
-            <a:schemeClr val="accent1"/>
-          </a:effectRef>
-          <a:fontRef idx="minor">
-            <a:schemeClr val="lt1"/>
-          </a:fontRef>
-        </p:style>
-        <p:txBody>
-          <a:bodyPr rtlCol="0" anchor="ctr"/>
-          <a:lstStyle/>
-          <a:p>
-            <a:pPr algn="ctr"/>
-            <a:endParaRPr lang="ko-KR" altLang="en-US"/>
+          <p:cNvSpPr>
+            <a:spLocks noGrp="1"/>
+          </p:cNvSpPr>
+          <p:nvPr>
+            <p:ph type="title"/>
+          </p:nvPr>
+        </p:nvSpPr>
+        <p:spPr/>
+        <p:txBody>
+          <a:bodyPr/>
+          <a:lstStyle/>
+          <a:p>
+            <a:r>
+              <a:rPr lang="en-US" altLang="ko-KR" dirty="0"/>
+              <a:t>10</a:t>
+            </a:r>
+            <a:r>
+              <a:rPr lang="ko-KR" altLang="en-US" dirty="0"/>
+              <a:t>주차 </a:t>
+            </a:r>
+            <a:r>
+              <a:rPr lang="en-US" altLang="ko-KR" dirty="0"/>
+              <a:t>: </a:t>
+            </a:r>
+            <a:r>
+              <a:rPr lang="ko-KR" altLang="en-US" dirty="0" err="1"/>
+              <a:t>조이패드→제스처</a:t>
+            </a:r>
+            <a:r>
+              <a:rPr lang="ko-KR" altLang="en-US" dirty="0"/>
+              <a:t> 변경 적용</a:t>
+            </a:r>
           </a:p>
         </p:txBody>
       </p:sp>
     </p:spTree>
     <p:extLst>
       <p:ext uri="{BB962C8B-B14F-4D97-AF65-F5344CB8AC3E}">
-        <p14:creationId xmlns:p14="http://schemas.microsoft.com/office/powerpoint/2010/main" val="4172499813"/>
-      </p:ext>
-    </p:extLst>
-  </p:cSld>
-  <p:clrMapOvr>
-    <a:masterClrMapping/>
-  </p:clrMapOvr>
-</p:sld>
-</file>
-
-<file path=ppt/slides/slide8.xml><?xml version="1.0" encoding="utf-8"?>
-<p:sld xmlns:a="http://schemas.openxmlformats.org/drawingml/2006/main" xmlns:r="http://schemas.openxmlformats.org/officeDocument/2006/relationships" xmlns:p="http://schemas.openxmlformats.org/presentationml/2006/main">
-  <p:cSld>
-    <p:spTree>
-      <p:nvGrpSpPr>
-        <p:cNvPr id="1" name=""/>
-        <p:cNvGrpSpPr/>
-        <p:nvPr/>
-      </p:nvGrpSpPr>
-      <p:grpSpPr>
-        <a:xfrm>
-          <a:off x="0" y="0"/>
-          <a:ext cx="0" cy="0"/>
-          <a:chOff x="0" y="0"/>
-          <a:chExt cx="0" cy="0"/>
-        </a:xfrm>
-      </p:grpSpPr>
-      <p:sp>
-        <p:nvSpPr>
-          <p:cNvPr id="2" name="제목 1">
-            <a:extLst>
-              <a:ext uri="{FF2B5EF4-FFF2-40B4-BE49-F238E27FC236}">
-                <a16:creationId xmlns:a16="http://schemas.microsoft.com/office/drawing/2014/main" id="{9E8422DA-4CA3-84BC-155D-F25365A2D164}"/>
-              </a:ext>
-            </a:extLst>
-          </p:cNvPr>
-          <p:cNvSpPr>
-            <a:spLocks noGrp="1"/>
-          </p:cNvSpPr>
-          <p:nvPr>
-            <p:ph type="title"/>
-          </p:nvPr>
-        </p:nvSpPr>
-        <p:spPr/>
-        <p:txBody>
-          <a:bodyPr/>
-          <a:lstStyle/>
-          <a:p>
-            <a:r>
-              <a:rPr lang="en-US" altLang="ko-KR" dirty="0"/>
-              <a:t>8. </a:t>
-            </a:r>
-            <a:r>
-              <a:rPr lang="ko-KR" altLang="en-US" dirty="0"/>
-              <a:t>파일 이름 설정하기</a:t>
-            </a:r>
-          </a:p>
-        </p:txBody>
-      </p:sp>
-      <p:sp>
-        <p:nvSpPr>
-          <p:cNvPr id="4" name="슬라이드 번호 개체 틀 3">
-            <a:extLst>
-              <a:ext uri="{FF2B5EF4-FFF2-40B4-BE49-F238E27FC236}">
-                <a16:creationId xmlns:a16="http://schemas.microsoft.com/office/drawing/2014/main" id="{144E874E-9C4F-B19B-1A6E-105B641D929F}"/>
-              </a:ext>
-            </a:extLst>
-          </p:cNvPr>
-          <p:cNvSpPr>
-            <a:spLocks noGrp="1"/>
-          </p:cNvSpPr>
-          <p:nvPr>
-            <p:ph type="sldNum" sz="quarter" idx="12"/>
-          </p:nvPr>
-        </p:nvSpPr>
-        <p:spPr/>
-        <p:txBody>
-          <a:bodyPr/>
-          <a:lstStyle/>
-          <a:p>
-            <a:fld id="{2F00E46C-ED49-42AD-BB6D-7499E1F08A71}" type="slidenum">
-              <a:rPr lang="ko-KR" altLang="en-US" smtClean="0"/>
-              <a:t>8</a:t>
-            </a:fld>
-            <a:endParaRPr lang="ko-KR" altLang="en-US"/>
-          </a:p>
-        </p:txBody>
-      </p:sp>
-      <p:sp>
-        <p:nvSpPr>
-          <p:cNvPr id="10" name="직사각형 9">
-            <a:extLst>
-              <a:ext uri="{FF2B5EF4-FFF2-40B4-BE49-F238E27FC236}">
-                <a16:creationId xmlns:a16="http://schemas.microsoft.com/office/drawing/2014/main" id="{0F65E4F2-EA6F-4607-E4D4-561BF2BE023B}"/>
-              </a:ext>
-            </a:extLst>
-          </p:cNvPr>
-          <p:cNvSpPr/>
-          <p:nvPr/>
-        </p:nvSpPr>
-        <p:spPr>
-          <a:xfrm>
-            <a:off x="3141524" y="977152"/>
-            <a:ext cx="2873794" cy="5880847"/>
-          </a:xfrm>
-          <a:prstGeom prst="rect">
-            <a:avLst/>
-          </a:prstGeom>
-          <a:blipFill>
-            <a:blip r:embed="rId2"/>
-            <a:stretch>
-              <a:fillRect/>
-            </a:stretch>
-          </a:blipFill>
-          <a:ln>
-            <a:noFill/>
-          </a:ln>
-          <a:effectLst>
-            <a:outerShdw blurRad="63500" sx="102000" sy="102000" algn="ctr" rotWithShape="0">
-              <a:prstClr val="black">
-                <a:alpha val="40000"/>
-              </a:prstClr>
-            </a:outerShdw>
-          </a:effectLst>
-        </p:spPr>
-        <p:style>
-          <a:lnRef idx="2">
-            <a:schemeClr val="accent1">
-              <a:shade val="50000"/>
-            </a:schemeClr>
-          </a:lnRef>
-          <a:fillRef idx="1">
-            <a:schemeClr val="accent1"/>
-          </a:fillRef>
-          <a:effectRef idx="0">
-            <a:schemeClr val="accent1"/>
-          </a:effectRef>
-          <a:fontRef idx="minor">
-            <a:schemeClr val="lt1"/>
-          </a:fontRef>
-        </p:style>
-        <p:txBody>
-          <a:bodyPr rtlCol="0" anchor="ctr"/>
-          <a:lstStyle/>
-          <a:p>
-            <a:pPr algn="ctr"/>
-            <a:endParaRPr lang="ko-KR" altLang="en-US"/>
-          </a:p>
-        </p:txBody>
-      </p:sp>
-    </p:spTree>
-    <p:extLst>
-      <p:ext uri="{BB962C8B-B14F-4D97-AF65-F5344CB8AC3E}">
-        <p14:creationId xmlns:p14="http://schemas.microsoft.com/office/powerpoint/2010/main" val="2859019467"/>
-      </p:ext>
-    </p:extLst>
-  </p:cSld>
-  <p:clrMapOvr>
-    <a:masterClrMapping/>
-  </p:clrMapOvr>
-</p:sld>
-</file>
-
-<file path=ppt/slides/slide9.xml><?xml version="1.0" encoding="utf-8"?>
-<p:sld xmlns:a="http://schemas.openxmlformats.org/drawingml/2006/main" xmlns:r="http://schemas.openxmlformats.org/officeDocument/2006/relationships" xmlns:p="http://schemas.openxmlformats.org/presentationml/2006/main">
-  <p:cSld>
-    <p:spTree>
-      <p:nvGrpSpPr>
-        <p:cNvPr id="1" name=""/>
-        <p:cNvGrpSpPr/>
-        <p:nvPr/>
-      </p:nvGrpSpPr>
-      <p:grpSpPr>
-        <a:xfrm>
-          <a:off x="0" y="0"/>
-          <a:ext cx="0" cy="0"/>
-          <a:chOff x="0" y="0"/>
-          <a:chExt cx="0" cy="0"/>
-        </a:xfrm>
-      </p:grpSpPr>
-      <p:sp>
-        <p:nvSpPr>
-          <p:cNvPr id="2" name="제목 1">
-            <a:extLst>
-              <a:ext uri="{FF2B5EF4-FFF2-40B4-BE49-F238E27FC236}">
-                <a16:creationId xmlns:a16="http://schemas.microsoft.com/office/drawing/2014/main" id="{9E8422DA-4CA3-84BC-155D-F25365A2D164}"/>
-              </a:ext>
-            </a:extLst>
-          </p:cNvPr>
-          <p:cNvSpPr>
-            <a:spLocks noGrp="1"/>
-          </p:cNvSpPr>
-          <p:nvPr>
-            <p:ph type="title"/>
-          </p:nvPr>
-        </p:nvSpPr>
-        <p:spPr/>
-        <p:txBody>
-          <a:bodyPr/>
-          <a:lstStyle/>
-          <a:p>
-            <a:r>
-              <a:rPr lang="en-US" altLang="ko-KR" dirty="0"/>
-              <a:t>9. </a:t>
-            </a:r>
-            <a:r>
-              <a:rPr lang="ko-KR" altLang="en-US" dirty="0"/>
-              <a:t>녹음된 파일 찾는 방법 선택</a:t>
-            </a:r>
-          </a:p>
-        </p:txBody>
-      </p:sp>
-      <p:sp>
-        <p:nvSpPr>
-          <p:cNvPr id="4" name="슬라이드 번호 개체 틀 3">
-            <a:extLst>
-              <a:ext uri="{FF2B5EF4-FFF2-40B4-BE49-F238E27FC236}">
-                <a16:creationId xmlns:a16="http://schemas.microsoft.com/office/drawing/2014/main" id="{144E874E-9C4F-B19B-1A6E-105B641D929F}"/>
-              </a:ext>
-            </a:extLst>
-          </p:cNvPr>
-          <p:cNvSpPr>
-            <a:spLocks noGrp="1"/>
-          </p:cNvSpPr>
-          <p:nvPr>
-            <p:ph type="sldNum" sz="quarter" idx="12"/>
-          </p:nvPr>
-        </p:nvSpPr>
-        <p:spPr/>
-        <p:txBody>
-          <a:bodyPr/>
-          <a:lstStyle/>
-          <a:p>
-            <a:fld id="{2F00E46C-ED49-42AD-BB6D-7499E1F08A71}" type="slidenum">
-              <a:rPr lang="ko-KR" altLang="en-US" smtClean="0"/>
-              <a:t>9</a:t>
-            </a:fld>
-            <a:endParaRPr lang="ko-KR" altLang="en-US"/>
-          </a:p>
-        </p:txBody>
-      </p:sp>
-      <p:sp>
-        <p:nvSpPr>
-          <p:cNvPr id="10" name="직사각형 9">
-            <a:extLst>
-              <a:ext uri="{FF2B5EF4-FFF2-40B4-BE49-F238E27FC236}">
-                <a16:creationId xmlns:a16="http://schemas.microsoft.com/office/drawing/2014/main" id="{0F65E4F2-EA6F-4607-E4D4-561BF2BE023B}"/>
-              </a:ext>
-            </a:extLst>
-          </p:cNvPr>
-          <p:cNvSpPr/>
-          <p:nvPr/>
-        </p:nvSpPr>
-        <p:spPr>
-          <a:xfrm>
-            <a:off x="3141524" y="977152"/>
-            <a:ext cx="2873794" cy="5880847"/>
-          </a:xfrm>
-          <a:prstGeom prst="rect">
-            <a:avLst/>
-          </a:prstGeom>
-          <a:blipFill>
-            <a:blip r:embed="rId2"/>
-            <a:stretch>
-              <a:fillRect/>
-            </a:stretch>
-          </a:blipFill>
-          <a:ln>
-            <a:noFill/>
-          </a:ln>
-          <a:effectLst>
-            <a:outerShdw blurRad="63500" sx="102000" sy="102000" algn="ctr" rotWithShape="0">
-              <a:prstClr val="black">
-                <a:alpha val="40000"/>
-              </a:prstClr>
-            </a:outerShdw>
-          </a:effectLst>
-        </p:spPr>
-        <p:style>
-          <a:lnRef idx="2">
-            <a:schemeClr val="accent1">
-              <a:shade val="50000"/>
-            </a:schemeClr>
-          </a:lnRef>
-          <a:fillRef idx="1">
-            <a:schemeClr val="accent1"/>
-          </a:fillRef>
-          <a:effectRef idx="0">
-            <a:schemeClr val="accent1"/>
-          </a:effectRef>
-          <a:fontRef idx="minor">
-            <a:schemeClr val="lt1"/>
-          </a:fontRef>
-        </p:style>
-        <p:txBody>
-          <a:bodyPr rtlCol="0" anchor="ctr"/>
-          <a:lstStyle/>
-          <a:p>
-            <a:pPr algn="ctr"/>
-            <a:endParaRPr lang="ko-KR" altLang="en-US"/>
-          </a:p>
-        </p:txBody>
-      </p:sp>
-    </p:spTree>
-    <p:extLst>
-      <p:ext uri="{BB962C8B-B14F-4D97-AF65-F5344CB8AC3E}">
-        <p14:creationId xmlns:p14="http://schemas.microsoft.com/office/powerpoint/2010/main" val="2899087906"/>
+        <p14:creationId xmlns:p14="http://schemas.microsoft.com/office/powerpoint/2010/main" val="1935762384"/>
       </p:ext>
     </p:extLst>
   </p:cSld>
